--- a/Notes/5_particle_box.pptx
+++ b/Notes/5_particle_box.pptx
@@ -234,7 +234,7 @@
           <a:p>
             <a:fld id="{47B5508F-B9DA-3A4B-92BF-6A4138802024}" type="datetimeFigureOut">
               <a:rPr lang="en-US" smtClean="0"/>
-              <a:t>9/29/21</a:t>
+              <a:t>2/5/25</a:t>
             </a:fld>
             <a:endParaRPr lang="en-US"/>
           </a:p>
@@ -768,7 +768,7 @@
             <a:fld id="{B2F2B4BC-311C-574E-AB1F-5BCC7E00BDAB}" type="datetimeFigureOut">
               <a:rPr lang="en-US" smtClean="0"/>
               <a:pPr/>
-              <a:t>9/29/21</a:t>
+              <a:t>2/5/25</a:t>
             </a:fld>
             <a:endParaRPr lang="en-US"/>
           </a:p>
@@ -933,7 +933,7 @@
             <a:fld id="{B2F2B4BC-311C-574E-AB1F-5BCC7E00BDAB}" type="datetimeFigureOut">
               <a:rPr lang="en-US" smtClean="0"/>
               <a:pPr/>
-              <a:t>9/29/21</a:t>
+              <a:t>2/5/25</a:t>
             </a:fld>
             <a:endParaRPr lang="en-US"/>
           </a:p>
@@ -1108,7 +1108,7 @@
             <a:fld id="{B2F2B4BC-311C-574E-AB1F-5BCC7E00BDAB}" type="datetimeFigureOut">
               <a:rPr lang="en-US" smtClean="0"/>
               <a:pPr/>
-              <a:t>9/29/21</a:t>
+              <a:t>2/5/25</a:t>
             </a:fld>
             <a:endParaRPr lang="en-US"/>
           </a:p>
@@ -1273,7 +1273,7 @@
             <a:fld id="{B2F2B4BC-311C-574E-AB1F-5BCC7E00BDAB}" type="datetimeFigureOut">
               <a:rPr lang="en-US" smtClean="0"/>
               <a:pPr/>
-              <a:t>9/29/21</a:t>
+              <a:t>2/5/25</a:t>
             </a:fld>
             <a:endParaRPr lang="en-US"/>
           </a:p>
@@ -1515,7 +1515,7 @@
             <a:fld id="{B2F2B4BC-311C-574E-AB1F-5BCC7E00BDAB}" type="datetimeFigureOut">
               <a:rPr lang="en-US" smtClean="0"/>
               <a:pPr/>
-              <a:t>9/29/21</a:t>
+              <a:t>2/5/25</a:t>
             </a:fld>
             <a:endParaRPr lang="en-US"/>
           </a:p>
@@ -1797,7 +1797,7 @@
             <a:fld id="{B2F2B4BC-311C-574E-AB1F-5BCC7E00BDAB}" type="datetimeFigureOut">
               <a:rPr lang="en-US" smtClean="0"/>
               <a:pPr/>
-              <a:t>9/29/21</a:t>
+              <a:t>2/5/25</a:t>
             </a:fld>
             <a:endParaRPr lang="en-US"/>
           </a:p>
@@ -2213,7 +2213,7 @@
             <a:fld id="{B2F2B4BC-311C-574E-AB1F-5BCC7E00BDAB}" type="datetimeFigureOut">
               <a:rPr lang="en-US" smtClean="0"/>
               <a:pPr/>
-              <a:t>9/29/21</a:t>
+              <a:t>2/5/25</a:t>
             </a:fld>
             <a:endParaRPr lang="en-US"/>
           </a:p>
@@ -2327,7 +2327,7 @@
             <a:fld id="{B2F2B4BC-311C-574E-AB1F-5BCC7E00BDAB}" type="datetimeFigureOut">
               <a:rPr lang="en-US" smtClean="0"/>
               <a:pPr/>
-              <a:t>9/29/21</a:t>
+              <a:t>2/5/25</a:t>
             </a:fld>
             <a:endParaRPr lang="en-US"/>
           </a:p>
@@ -2419,7 +2419,7 @@
             <a:fld id="{B2F2B4BC-311C-574E-AB1F-5BCC7E00BDAB}" type="datetimeFigureOut">
               <a:rPr lang="en-US" smtClean="0"/>
               <a:pPr/>
-              <a:t>9/29/21</a:t>
+              <a:t>2/5/25</a:t>
             </a:fld>
             <a:endParaRPr lang="en-US"/>
           </a:p>
@@ -2691,7 +2691,7 @@
             <a:fld id="{B2F2B4BC-311C-574E-AB1F-5BCC7E00BDAB}" type="datetimeFigureOut">
               <a:rPr lang="en-US" smtClean="0"/>
               <a:pPr/>
-              <a:t>9/29/21</a:t>
+              <a:t>2/5/25</a:t>
             </a:fld>
             <a:endParaRPr lang="en-US"/>
           </a:p>
@@ -2940,7 +2940,7 @@
             <a:fld id="{B2F2B4BC-311C-574E-AB1F-5BCC7E00BDAB}" type="datetimeFigureOut">
               <a:rPr lang="en-US" smtClean="0"/>
               <a:pPr/>
-              <a:t>9/29/21</a:t>
+              <a:t>2/5/25</a:t>
             </a:fld>
             <a:endParaRPr lang="en-US"/>
           </a:p>
@@ -3148,7 +3148,7 @@
             <a:fld id="{B2F2B4BC-311C-574E-AB1F-5BCC7E00BDAB}" type="datetimeFigureOut">
               <a:rPr lang="en-US" smtClean="0"/>
               <a:pPr/>
-              <a:t>9/29/21</a:t>
+              <a:t>2/5/25</a:t>
             </a:fld>
             <a:endParaRPr lang="en-US"/>
           </a:p>
@@ -3528,7 +3528,7 @@
           <p:nvPr/>
         </p:nvPicPr>
         <p:blipFill>
-          <a:blip r:embed="rId4"/>
+          <a:blip r:embed="rId3"/>
           <a:srcRect/>
           <a:stretch>
             <a:fillRect/>
@@ -3560,7 +3560,7 @@
           <p:nvPr/>
         </p:nvPicPr>
         <p:blipFill>
-          <a:blip r:embed="rId4"/>
+          <a:blip r:embed="rId3"/>
           <a:srcRect/>
           <a:stretch>
             <a:fillRect/>
@@ -3648,12 +3648,12 @@
           <a:graphicData uri="http://schemas.openxmlformats.org/presentationml/2006/ole">
             <mc:AlternateContent xmlns:mc="http://schemas.openxmlformats.org/markup-compatibility/2006">
               <mc:Choice xmlns:v="urn:schemas-microsoft-com:vml" Requires="v">
-                <p:oleObj spid="_x0000_s45489" r:id="rId5" imgW="76320" imgH="181080" progId="">
+                <p:oleObj r:id="rId4" imgW="76320" imgH="181080" progId="">
                   <p:embed/>
                 </p:oleObj>
               </mc:Choice>
               <mc:Fallback>
-                <p:oleObj r:id="rId5" imgW="76320" imgH="181080" progId="">
+                <p:oleObj r:id="rId4" imgW="76320" imgH="181080" progId="">
                   <p:embed/>
                   <p:pic>
                     <p:nvPicPr>
@@ -3664,7 +3664,7 @@
                       <p:nvPr/>
                     </p:nvPicPr>
                     <p:blipFill>
-                      <a:blip r:embed="rId6">
+                      <a:blip r:embed="rId5">
                         <a:extLst>
                           <a:ext uri="{28A0092B-C50C-407E-A947-70E740481C1C}">
                             <a14:useLocalDpi xmlns:a14="http://schemas.microsoft.com/office/drawing/2010/main" val="0"/>
@@ -3687,7 +3687,7 @@
                       <a:noFill/>
                       <a:extLst>
                         <a:ext uri="{909E8E84-426E-40dd-AFC4-6F175D3DCCD1}">
-                          <a14:hiddenFill xmlns:a14="http://schemas.microsoft.com/office/drawing/2010/main" xmlns="">
+                          <a14:hiddenFill xmlns="" xmlns:a14="http://schemas.microsoft.com/office/drawing/2010/main">
                             <a:blipFill dpi="0" rotWithShape="0">
                               <a:blip/>
                               <a:srcRect/>
@@ -3715,7 +3715,7 @@
           <p:nvPr/>
         </p:nvPicPr>
         <p:blipFill>
-          <a:blip r:embed="rId7">
+          <a:blip r:embed="rId6">
             <a:extLst>
               <a:ext uri="{28A0092B-C50C-407E-A947-70E740481C1C}">
                 <a14:useLocalDpi xmlns:a14="http://schemas.microsoft.com/office/drawing/2010/main" val="0"/>
@@ -3888,9 +3888,43 @@
           </a:p>
         </p:txBody>
       </p:sp>
+      <p:sp>
+        <p:nvSpPr>
+          <p:cNvPr id="20" name="Rectangle 19"/>
+          <p:cNvSpPr/>
+          <p:nvPr/>
+        </p:nvSpPr>
+        <p:spPr>
+          <a:xfrm>
+            <a:off x="1424592" y="1294523"/>
+            <a:ext cx="1569933" cy="461665"/>
+          </a:xfrm>
+          <a:prstGeom prst="rect">
+            <a:avLst/>
+          </a:prstGeom>
+        </p:spPr>
+        <p:txBody>
+          <a:bodyPr wrap="square">
+            <a:spAutoFit/>
+          </a:bodyPr>
+          <a:lstStyle/>
+          <a:p>
+            <a:r>
+              <a:rPr lang="en-GB" sz="2400" dirty="0">
+                <a:solidFill>
+                  <a:srgbClr val="000000"/>
+                </a:solidFill>
+                <a:latin typeface="Times New Roman" pitchFamily="18" charset="0"/>
+              </a:rPr>
+              <a:t>Solution:</a:t>
+            </a:r>
+            <a:endParaRPr lang="en-US" sz="2400" dirty="0"/>
+          </a:p>
+        </p:txBody>
+      </p:sp>
       <p:pic>
         <p:nvPicPr>
-          <p:cNvPr id="3" name="Picture 2"/>
+          <p:cNvPr id="6" name="Picture 5"/>
           <p:cNvPicPr>
             <a:picLocks noChangeAspect="1"/>
           </p:cNvPicPr>
@@ -3904,8 +3938,8 @@
         </p:blipFill>
         <p:spPr>
           <a:xfrm>
-            <a:off x="-5636757" y="-1515328"/>
-            <a:ext cx="1866900" cy="558800"/>
+            <a:off x="2696410" y="1200947"/>
+            <a:ext cx="2895600" cy="774700"/>
           </a:xfrm>
           <a:prstGeom prst="rect">
             <a:avLst/>
@@ -3914,14 +3948,14 @@
       </p:pic>
       <p:sp>
         <p:nvSpPr>
-          <p:cNvPr id="20" name="Rectangle 19"/>
+          <p:cNvPr id="19" name="Rectangle 18"/>
           <p:cNvSpPr/>
           <p:nvPr/>
         </p:nvSpPr>
         <p:spPr>
           <a:xfrm>
-            <a:off x="1424592" y="1294523"/>
-            <a:ext cx="1569933" cy="461665"/>
+            <a:off x="1090380" y="2128674"/>
+            <a:ext cx="5526987" cy="461665"/>
           </a:xfrm>
           <a:prstGeom prst="rect">
             <a:avLst/>
@@ -3940,7 +3974,25 @@
                 </a:solidFill>
                 <a:latin typeface="Times New Roman" pitchFamily="18" charset="0"/>
               </a:rPr>
-              <a:t>Solution:</a:t>
+              <a:t>Use normalization condition to get </a:t>
+            </a:r>
+            <a:r>
+              <a:rPr lang="en-GB" sz="2400" i="1" dirty="0">
+                <a:solidFill>
+                  <a:srgbClr val="000000"/>
+                </a:solidFill>
+                <a:latin typeface="Times New Roman" pitchFamily="18" charset="0"/>
+              </a:rPr>
+              <a:t>B = N</a:t>
+            </a:r>
+            <a:r>
+              <a:rPr lang="en-GB" sz="2400" dirty="0">
+                <a:solidFill>
+                  <a:srgbClr val="000000"/>
+                </a:solidFill>
+                <a:latin typeface="Times New Roman" pitchFamily="18" charset="0"/>
+              </a:rPr>
+              <a:t>:</a:t>
             </a:r>
             <a:endParaRPr lang="en-US" sz="2400" dirty="0"/>
           </a:p>
@@ -3948,7 +4000,7 @@
       </p:sp>
       <p:pic>
         <p:nvPicPr>
-          <p:cNvPr id="6" name="Picture 5"/>
+          <p:cNvPr id="21" name="Picture 20"/>
           <p:cNvPicPr>
             <a:picLocks noChangeAspect="1"/>
           </p:cNvPicPr>
@@ -3962,69 +4014,17 @@
         </p:blipFill>
         <p:spPr>
           <a:xfrm>
-            <a:off x="2696410" y="1200947"/>
-            <a:ext cx="2895600" cy="774700"/>
+            <a:off x="2696410" y="2590339"/>
+            <a:ext cx="3546990" cy="1396999"/>
           </a:xfrm>
           <a:prstGeom prst="rect">
             <a:avLst/>
           </a:prstGeom>
         </p:spPr>
       </p:pic>
-      <p:sp>
-        <p:nvSpPr>
-          <p:cNvPr id="19" name="Rectangle 18"/>
-          <p:cNvSpPr/>
-          <p:nvPr/>
-        </p:nvSpPr>
-        <p:spPr>
-          <a:xfrm>
-            <a:off x="1090380" y="2128674"/>
-            <a:ext cx="5526987" cy="461665"/>
-          </a:xfrm>
-          <a:prstGeom prst="rect">
-            <a:avLst/>
-          </a:prstGeom>
-        </p:spPr>
-        <p:txBody>
-          <a:bodyPr wrap="square">
-            <a:spAutoFit/>
-          </a:bodyPr>
-          <a:lstStyle/>
-          <a:p>
-            <a:r>
-              <a:rPr lang="en-GB" sz="2400" dirty="0">
-                <a:solidFill>
-                  <a:srgbClr val="000000"/>
-                </a:solidFill>
-                <a:latin typeface="Times New Roman" pitchFamily="18" charset="0"/>
-              </a:rPr>
-              <a:t>Use normalization condition to get </a:t>
-            </a:r>
-            <a:r>
-              <a:rPr lang="en-GB" sz="2400" i="1" dirty="0">
-                <a:solidFill>
-                  <a:srgbClr val="000000"/>
-                </a:solidFill>
-                <a:latin typeface="Times New Roman" pitchFamily="18" charset="0"/>
-              </a:rPr>
-              <a:t>B = N</a:t>
-            </a:r>
-            <a:r>
-              <a:rPr lang="en-GB" sz="2400" dirty="0">
-                <a:solidFill>
-                  <a:srgbClr val="000000"/>
-                </a:solidFill>
-                <a:latin typeface="Times New Roman" pitchFamily="18" charset="0"/>
-              </a:rPr>
-              <a:t>:</a:t>
-            </a:r>
-            <a:endParaRPr lang="en-US" sz="2400" dirty="0"/>
-          </a:p>
-        </p:txBody>
-      </p:sp>
       <p:pic>
         <p:nvPicPr>
-          <p:cNvPr id="21" name="Picture 20"/>
+          <p:cNvPr id="8" name="Picture 7"/>
           <p:cNvPicPr>
             <a:picLocks noChangeAspect="1"/>
           </p:cNvPicPr>
@@ -4038,8 +4038,8 @@
         </p:blipFill>
         <p:spPr>
           <a:xfrm>
-            <a:off x="2696410" y="2590339"/>
-            <a:ext cx="3546990" cy="1396999"/>
+            <a:off x="3058696" y="2590339"/>
+            <a:ext cx="2933700" cy="1028700"/>
           </a:xfrm>
           <a:prstGeom prst="rect">
             <a:avLst/>
@@ -4048,7 +4048,7 @@
       </p:pic>
       <p:pic>
         <p:nvPicPr>
-          <p:cNvPr id="8" name="Picture 7"/>
+          <p:cNvPr id="9" name="Picture 8"/>
           <p:cNvPicPr>
             <a:picLocks noChangeAspect="1"/>
           </p:cNvPicPr>
@@ -4062,8 +4062,8 @@
         </p:blipFill>
         <p:spPr>
           <a:xfrm>
-            <a:off x="3058696" y="2590339"/>
-            <a:ext cx="2933700" cy="1028700"/>
+            <a:off x="2683042" y="4000706"/>
+            <a:ext cx="2794000" cy="990600"/>
           </a:xfrm>
           <a:prstGeom prst="rect">
             <a:avLst/>
@@ -4072,7 +4072,7 @@
       </p:pic>
       <p:pic>
         <p:nvPicPr>
-          <p:cNvPr id="9" name="Picture 8"/>
+          <p:cNvPr id="10" name="Picture 9"/>
           <p:cNvPicPr>
             <a:picLocks noChangeAspect="1"/>
           </p:cNvPicPr>
@@ -4086,30 +4086,6 @@
         </p:blipFill>
         <p:spPr>
           <a:xfrm>
-            <a:off x="2683042" y="4000706"/>
-            <a:ext cx="2794000" cy="990600"/>
-          </a:xfrm>
-          <a:prstGeom prst="rect">
-            <a:avLst/>
-          </a:prstGeom>
-        </p:spPr>
-      </p:pic>
-      <p:pic>
-        <p:nvPicPr>
-          <p:cNvPr id="10" name="Picture 9"/>
-          <p:cNvPicPr>
-            <a:picLocks noChangeAspect="1"/>
-          </p:cNvPicPr>
-          <p:nvPr/>
-        </p:nvPicPr>
-        <p:blipFill>
-          <a:blip r:embed="rId8"/>
-          <a:stretch>
-            <a:fillRect/>
-          </a:stretch>
-        </p:blipFill>
-        <p:spPr>
-          <a:xfrm>
             <a:off x="2683042" y="5071514"/>
             <a:ext cx="2781300" cy="1612900"/>
           </a:xfrm>
@@ -4127,7 +4103,7 @@
           <p:nvPr/>
         </p:nvPicPr>
         <p:blipFill rotWithShape="1">
-          <a:blip r:embed="rId9"/>
+          <a:blip r:embed="rId8"/>
           <a:srcRect l="72704"/>
           <a:stretch/>
         </p:blipFill>
@@ -4141,6 +4117,91 @@
           </a:prstGeom>
         </p:spPr>
       </p:pic>
+      <p:sp>
+        <p:nvSpPr>
+          <p:cNvPr id="2" name="TextBox 1">
+            <a:extLst>
+              <a:ext uri="{FF2B5EF4-FFF2-40B4-BE49-F238E27FC236}">
+                <a16:creationId xmlns:a16="http://schemas.microsoft.com/office/drawing/2014/main" id="{642E0F0C-A895-A1AA-6A3F-748912B42F2D}"/>
+              </a:ext>
+            </a:extLst>
+          </p:cNvPr>
+          <p:cNvSpPr txBox="1"/>
+          <p:nvPr/>
+        </p:nvSpPr>
+        <p:spPr>
+          <a:xfrm>
+            <a:off x="6068930" y="6199915"/>
+            <a:ext cx="2878300" cy="369332"/>
+          </a:xfrm>
+          <a:prstGeom prst="rect">
+            <a:avLst/>
+          </a:prstGeom>
+          <a:noFill/>
+        </p:spPr>
+        <p:txBody>
+          <a:bodyPr wrap="square" rtlCol="0">
+            <a:spAutoFit/>
+          </a:bodyPr>
+          <a:lstStyle/>
+          <a:p>
+            <a:r>
+              <a:rPr lang="en-US" dirty="0">
+                <a:latin typeface="Times New Roman" panose="02020603050405020304" pitchFamily="18" charset="0"/>
+                <a:cs typeface="Times New Roman" panose="02020603050405020304" pitchFamily="18" charset="0"/>
+              </a:rPr>
+              <a:t>PIAB normalization constant</a:t>
+            </a:r>
+          </a:p>
+        </p:txBody>
+      </p:sp>
+      <p:sp>
+        <p:nvSpPr>
+          <p:cNvPr id="3" name="Left Brace 2">
+            <a:extLst>
+              <a:ext uri="{FF2B5EF4-FFF2-40B4-BE49-F238E27FC236}">
+                <a16:creationId xmlns:a16="http://schemas.microsoft.com/office/drawing/2014/main" id="{BABBBD68-E07A-F3B8-A8E5-05CFA580DA2A}"/>
+              </a:ext>
+            </a:extLst>
+          </p:cNvPr>
+          <p:cNvSpPr/>
+          <p:nvPr/>
+        </p:nvSpPr>
+        <p:spPr>
+          <a:xfrm rot="16200000">
+            <a:off x="6058996" y="5598090"/>
+            <a:ext cx="331554" cy="872095"/>
+          </a:xfrm>
+          <a:prstGeom prst="leftBrace">
+            <a:avLst>
+              <a:gd name="adj1" fmla="val 8333"/>
+              <a:gd name="adj2" fmla="val 83181"/>
+            </a:avLst>
+          </a:prstGeom>
+        </p:spPr>
+        <p:style>
+          <a:lnRef idx="2">
+            <a:schemeClr val="accent1"/>
+          </a:lnRef>
+          <a:fillRef idx="0">
+            <a:schemeClr val="accent1"/>
+          </a:fillRef>
+          <a:effectRef idx="1">
+            <a:schemeClr val="accent1"/>
+          </a:effectRef>
+          <a:fontRef idx="minor">
+            <a:schemeClr val="tx1"/>
+          </a:fontRef>
+        </p:style>
+        <p:txBody>
+          <a:bodyPr rtlCol="0" anchor="ctr"/>
+          <a:lstStyle/>
+          <a:p>
+            <a:pPr algn="ctr"/>
+            <a:endParaRPr lang="en-US"/>
+          </a:p>
+        </p:txBody>
+      </p:sp>
     </p:spTree>
     <p:extLst>
       <p:ext uri="{BB962C8B-B14F-4D97-AF65-F5344CB8AC3E}">
@@ -4570,6 +4631,161 @@
                             </p:childTnLst>
                           </p:cTn>
                         </p:par>
+                        <p:par>
+                          <p:cTn id="34" fill="hold">
+                            <p:stCondLst>
+                              <p:cond delay="500"/>
+                            </p:stCondLst>
+                            <p:childTnLst>
+                              <p:par>
+                                <p:cTn id="35" presetID="2" presetClass="entr" presetSubtype="4" fill="hold" grpId="0" nodeType="afterEffect">
+                                  <p:stCondLst>
+                                    <p:cond delay="0"/>
+                                  </p:stCondLst>
+                                  <p:childTnLst>
+                                    <p:set>
+                                      <p:cBhvr>
+                                        <p:cTn id="36" dur="1" fill="hold">
+                                          <p:stCondLst>
+                                            <p:cond delay="0"/>
+                                          </p:stCondLst>
+                                        </p:cTn>
+                                        <p:tgtEl>
+                                          <p:spTgt spid="3"/>
+                                        </p:tgtEl>
+                                        <p:attrNameLst>
+                                          <p:attrName>style.visibility</p:attrName>
+                                        </p:attrNameLst>
+                                      </p:cBhvr>
+                                      <p:to>
+                                        <p:strVal val="visible"/>
+                                      </p:to>
+                                    </p:set>
+                                    <p:anim calcmode="lin" valueType="num">
+                                      <p:cBhvr additive="base">
+                                        <p:cTn id="37" dur="500" fill="hold"/>
+                                        <p:tgtEl>
+                                          <p:spTgt spid="3"/>
+                                        </p:tgtEl>
+                                        <p:attrNameLst>
+                                          <p:attrName>ppt_x</p:attrName>
+                                        </p:attrNameLst>
+                                      </p:cBhvr>
+                                      <p:tavLst>
+                                        <p:tav tm="0">
+                                          <p:val>
+                                            <p:strVal val="#ppt_x"/>
+                                          </p:val>
+                                        </p:tav>
+                                        <p:tav tm="100000">
+                                          <p:val>
+                                            <p:strVal val="#ppt_x"/>
+                                          </p:val>
+                                        </p:tav>
+                                      </p:tavLst>
+                                    </p:anim>
+                                    <p:anim calcmode="lin" valueType="num">
+                                      <p:cBhvr additive="base">
+                                        <p:cTn id="38" dur="500" fill="hold"/>
+                                        <p:tgtEl>
+                                          <p:spTgt spid="3"/>
+                                        </p:tgtEl>
+                                        <p:attrNameLst>
+                                          <p:attrName>ppt_y</p:attrName>
+                                        </p:attrNameLst>
+                                      </p:cBhvr>
+                                      <p:tavLst>
+                                        <p:tav tm="0">
+                                          <p:val>
+                                            <p:strVal val="1+#ppt_h/2"/>
+                                          </p:val>
+                                        </p:tav>
+                                        <p:tav tm="100000">
+                                          <p:val>
+                                            <p:strVal val="#ppt_y"/>
+                                          </p:val>
+                                        </p:tav>
+                                      </p:tavLst>
+                                    </p:anim>
+                                  </p:childTnLst>
+                                </p:cTn>
+                              </p:par>
+                              <p:par>
+                                <p:cTn id="39" presetID="2" presetClass="entr" presetSubtype="4" fill="hold" grpId="0" nodeType="withEffect">
+                                  <p:stCondLst>
+                                    <p:cond delay="0"/>
+                                  </p:stCondLst>
+                                  <p:childTnLst>
+                                    <p:set>
+                                      <p:cBhvr>
+                                        <p:cTn id="40" dur="1" fill="hold">
+                                          <p:stCondLst>
+                                            <p:cond delay="0"/>
+                                          </p:stCondLst>
+                                        </p:cTn>
+                                        <p:tgtEl>
+                                          <p:spTgt spid="2"/>
+                                        </p:tgtEl>
+                                        <p:attrNameLst>
+                                          <p:attrName>style.visibility</p:attrName>
+                                        </p:attrNameLst>
+                                      </p:cBhvr>
+                                      <p:to>
+                                        <p:strVal val="visible"/>
+                                      </p:to>
+                                    </p:set>
+                                    <p:anim calcmode="lin" valueType="num">
+                                      <p:cBhvr additive="base">
+                                        <p:cTn id="41" dur="500" fill="hold"/>
+                                        <p:tgtEl>
+                                          <p:spTgt spid="2"/>
+                                        </p:tgtEl>
+                                        <p:attrNameLst>
+                                          <p:attrName>ppt_x</p:attrName>
+                                        </p:attrNameLst>
+                                      </p:cBhvr>
+                                      <p:tavLst>
+                                        <p:tav tm="0">
+                                          <p:val>
+                                            <p:strVal val="#ppt_x"/>
+                                          </p:val>
+                                        </p:tav>
+                                        <p:tav tm="100000">
+                                          <p:val>
+                                            <p:strVal val="#ppt_x"/>
+                                          </p:val>
+                                        </p:tav>
+                                      </p:tavLst>
+                                    </p:anim>
+                                    <p:anim calcmode="lin" valueType="num">
+                                      <p:cBhvr additive="base">
+                                        <p:cTn id="42" dur="500" fill="hold"/>
+                                        <p:tgtEl>
+                                          <p:spTgt spid="2"/>
+                                        </p:tgtEl>
+                                        <p:attrNameLst>
+                                          <p:attrName>ppt_y</p:attrName>
+                                        </p:attrNameLst>
+                                      </p:cBhvr>
+                                      <p:tavLst>
+                                        <p:tav tm="0">
+                                          <p:val>
+                                            <p:strVal val="1+#ppt_h/2"/>
+                                          </p:val>
+                                        </p:tav>
+                                        <p:tav tm="100000">
+                                          <p:val>
+                                            <p:strVal val="#ppt_y"/>
+                                          </p:val>
+                                        </p:tav>
+                                      </p:tavLst>
+                                    </p:anim>
+                                  </p:childTnLst>
+                                </p:cTn>
+                              </p:par>
+                            </p:childTnLst>
+                          </p:cTn>
+                        </p:par>
                       </p:childTnLst>
                     </p:cTn>
                   </p:par>
@@ -4594,6 +4810,10 @@
         </p:cTn>
       </p:par>
     </p:tnLst>
+    <p:bldLst>
+      <p:bldP spid="2" grpId="0"/>
+      <p:bldP spid="3" grpId="0" animBg="1"/>
+    </p:bldLst>
   </p:timing>
 </p:sld>
 </file>
@@ -4709,9 +4929,52 @@
           </a:p>
         </p:txBody>
       </p:sp>
+      <p:sp>
+        <p:nvSpPr>
+          <p:cNvPr id="20" name="Rectangle 19"/>
+          <p:cNvSpPr/>
+          <p:nvPr/>
+        </p:nvSpPr>
+        <p:spPr>
+          <a:xfrm>
+            <a:off x="297036" y="1374731"/>
+            <a:ext cx="3419391" cy="461665"/>
+          </a:xfrm>
+          <a:prstGeom prst="rect">
+            <a:avLst/>
+          </a:prstGeom>
+        </p:spPr>
+        <p:txBody>
+          <a:bodyPr wrap="square">
+            <a:spAutoFit/>
+          </a:bodyPr>
+          <a:lstStyle/>
+          <a:p>
+            <a:r>
+              <a:rPr lang="en-GB" sz="2400" b="1" dirty="0">
+                <a:solidFill>
+                  <a:srgbClr val="000000"/>
+                </a:solidFill>
+                <a:latin typeface="Times New Roman" pitchFamily="18" charset="0"/>
+              </a:rPr>
+              <a:t>Solution for 1D P.I.A.B.</a:t>
+            </a:r>
+            <a:r>
+              <a:rPr lang="en-GB" sz="2400" dirty="0">
+                <a:solidFill>
+                  <a:srgbClr val="000000"/>
+                </a:solidFill>
+                <a:latin typeface="Times New Roman" pitchFamily="18" charset="0"/>
+              </a:rPr>
+              <a:t>:</a:t>
+            </a:r>
+            <a:endParaRPr lang="en-US" sz="2400" dirty="0"/>
+          </a:p>
+        </p:txBody>
+      </p:sp>
       <p:pic>
         <p:nvPicPr>
-          <p:cNvPr id="3" name="Picture 2"/>
+          <p:cNvPr id="2" name="Picture 1"/>
           <p:cNvPicPr>
             <a:picLocks noChangeAspect="1"/>
           </p:cNvPicPr>
@@ -4725,73 +4988,6 @@
         </p:blipFill>
         <p:spPr>
           <a:xfrm>
-            <a:off x="-5636757" y="-1515328"/>
-            <a:ext cx="1866900" cy="558800"/>
-          </a:xfrm>
-          <a:prstGeom prst="rect">
-            <a:avLst/>
-          </a:prstGeom>
-        </p:spPr>
-      </p:pic>
-      <p:sp>
-        <p:nvSpPr>
-          <p:cNvPr id="20" name="Rectangle 19"/>
-          <p:cNvSpPr/>
-          <p:nvPr/>
-        </p:nvSpPr>
-        <p:spPr>
-          <a:xfrm>
-            <a:off x="297036" y="1374731"/>
-            <a:ext cx="3419391" cy="461665"/>
-          </a:xfrm>
-          <a:prstGeom prst="rect">
-            <a:avLst/>
-          </a:prstGeom>
-        </p:spPr>
-        <p:txBody>
-          <a:bodyPr wrap="square">
-            <a:spAutoFit/>
-          </a:bodyPr>
-          <a:lstStyle/>
-          <a:p>
-            <a:r>
-              <a:rPr lang="en-GB" sz="2400" b="1" dirty="0">
-                <a:solidFill>
-                  <a:srgbClr val="000000"/>
-                </a:solidFill>
-                <a:latin typeface="Times New Roman" pitchFamily="18" charset="0"/>
-              </a:rPr>
-              <a:t>Solution for 1D P.I.A.B.</a:t>
-            </a:r>
-            <a:r>
-              <a:rPr lang="en-GB" sz="2400" dirty="0">
-                <a:solidFill>
-                  <a:srgbClr val="000000"/>
-                </a:solidFill>
-                <a:latin typeface="Times New Roman" pitchFamily="18" charset="0"/>
-              </a:rPr>
-              <a:t>:</a:t>
-            </a:r>
-            <a:endParaRPr lang="en-US" sz="2400" dirty="0"/>
-          </a:p>
-        </p:txBody>
-      </p:sp>
-      <p:pic>
-        <p:nvPicPr>
-          <p:cNvPr id="2" name="Picture 1"/>
-          <p:cNvPicPr>
-            <a:picLocks noChangeAspect="1"/>
-          </p:cNvPicPr>
-          <p:nvPr/>
-        </p:nvPicPr>
-        <p:blipFill>
-          <a:blip r:embed="rId4"/>
-          <a:stretch>
-            <a:fillRect/>
-          </a:stretch>
-        </p:blipFill>
-        <p:spPr>
-          <a:xfrm>
             <a:off x="3391567" y="1042984"/>
             <a:ext cx="3403600" cy="1079500"/>
           </a:xfrm>
@@ -4852,7 +5048,7 @@
           <p:nvPr/>
         </p:nvPicPr>
         <p:blipFill>
-          <a:blip r:embed="rId5"/>
+          <a:blip r:embed="rId4"/>
           <a:stretch>
             <a:fillRect/>
           </a:stretch>
@@ -5029,7 +5225,7 @@
           <p:nvPr/>
         </p:nvPicPr>
         <p:blipFill>
-          <a:blip r:embed="rId6"/>
+          <a:blip r:embed="rId5"/>
           <a:stretch>
             <a:fillRect/>
           </a:stretch>
@@ -5082,6 +5278,262 @@
           </a:p>
         </p:txBody>
       </p:sp>
+      <p:sp>
+        <p:nvSpPr>
+          <p:cNvPr id="3" name="Rectangle 2">
+            <a:extLst>
+              <a:ext uri="{FF2B5EF4-FFF2-40B4-BE49-F238E27FC236}">
+                <a16:creationId xmlns:a16="http://schemas.microsoft.com/office/drawing/2014/main" id="{9D8CD383-6D87-D5B9-AAA3-8C1096AE1CCF}"/>
+              </a:ext>
+            </a:extLst>
+          </p:cNvPr>
+          <p:cNvSpPr/>
+          <p:nvPr/>
+        </p:nvSpPr>
+        <p:spPr>
+          <a:xfrm>
+            <a:off x="3521636" y="1040625"/>
+            <a:ext cx="5043629" cy="1079500"/>
+          </a:xfrm>
+          <a:prstGeom prst="rect">
+            <a:avLst/>
+          </a:prstGeom>
+          <a:noFill/>
+          <a:ln w="31750">
+            <a:solidFill>
+              <a:srgbClr val="00B050"/>
+            </a:solidFill>
+          </a:ln>
+        </p:spPr>
+        <p:style>
+          <a:lnRef idx="1">
+            <a:schemeClr val="accent1"/>
+          </a:lnRef>
+          <a:fillRef idx="3">
+            <a:schemeClr val="accent1"/>
+          </a:fillRef>
+          <a:effectRef idx="2">
+            <a:schemeClr val="accent1"/>
+          </a:effectRef>
+          <a:fontRef idx="minor">
+            <a:schemeClr val="lt1"/>
+          </a:fontRef>
+        </p:style>
+        <p:txBody>
+          <a:bodyPr rtlCol="0" anchor="ctr"/>
+          <a:lstStyle/>
+          <a:p>
+            <a:pPr algn="ctr"/>
+            <a:endParaRPr lang="en-US"/>
+          </a:p>
+        </p:txBody>
+      </p:sp>
+      <p:sp>
+        <p:nvSpPr>
+          <p:cNvPr id="6" name="Rectangle 5">
+            <a:extLst>
+              <a:ext uri="{FF2B5EF4-FFF2-40B4-BE49-F238E27FC236}">
+                <a16:creationId xmlns:a16="http://schemas.microsoft.com/office/drawing/2014/main" id="{1BDBA253-124A-556E-4681-4C62517271D4}"/>
+              </a:ext>
+            </a:extLst>
+          </p:cNvPr>
+          <p:cNvSpPr/>
+          <p:nvPr/>
+        </p:nvSpPr>
+        <p:spPr>
+          <a:xfrm>
+            <a:off x="3836914" y="2178000"/>
+            <a:ext cx="2079758" cy="914400"/>
+          </a:xfrm>
+          <a:prstGeom prst="rect">
+            <a:avLst/>
+          </a:prstGeom>
+          <a:noFill/>
+          <a:ln w="31750">
+            <a:solidFill>
+              <a:srgbClr val="00B050"/>
+            </a:solidFill>
+          </a:ln>
+        </p:spPr>
+        <p:style>
+          <a:lnRef idx="1">
+            <a:schemeClr val="accent1"/>
+          </a:lnRef>
+          <a:fillRef idx="3">
+            <a:schemeClr val="accent1"/>
+          </a:fillRef>
+          <a:effectRef idx="2">
+            <a:schemeClr val="accent1"/>
+          </a:effectRef>
+          <a:fontRef idx="minor">
+            <a:schemeClr val="lt1"/>
+          </a:fontRef>
+        </p:style>
+        <p:txBody>
+          <a:bodyPr rtlCol="0" anchor="ctr"/>
+          <a:lstStyle/>
+          <a:p>
+            <a:pPr algn="ctr"/>
+            <a:endParaRPr lang="en-US"/>
+          </a:p>
+        </p:txBody>
+      </p:sp>
+      <p:sp>
+        <p:nvSpPr>
+          <p:cNvPr id="8" name="TextBox 7">
+            <a:extLst>
+              <a:ext uri="{FF2B5EF4-FFF2-40B4-BE49-F238E27FC236}">
+                <a16:creationId xmlns:a16="http://schemas.microsoft.com/office/drawing/2014/main" id="{4BA826E8-9F68-E607-05FC-9D3CE402A0D3}"/>
+              </a:ext>
+            </a:extLst>
+          </p:cNvPr>
+          <p:cNvSpPr txBox="1"/>
+          <p:nvPr/>
+        </p:nvSpPr>
+        <p:spPr>
+          <a:xfrm>
+            <a:off x="6795167" y="2314754"/>
+            <a:ext cx="2127505" cy="369332"/>
+          </a:xfrm>
+          <a:prstGeom prst="rect">
+            <a:avLst/>
+          </a:prstGeom>
+          <a:noFill/>
+        </p:spPr>
+        <p:txBody>
+          <a:bodyPr wrap="none" rtlCol="0">
+            <a:spAutoFit/>
+          </a:bodyPr>
+          <a:lstStyle/>
+          <a:p>
+            <a:r>
+              <a:rPr lang="en-US" dirty="0">
+                <a:latin typeface="Times New Roman" panose="02020603050405020304" pitchFamily="18" charset="0"/>
+                <a:cs typeface="Times New Roman" panose="02020603050405020304" pitchFamily="18" charset="0"/>
+              </a:rPr>
+              <a:t>PIAB eigenfunctions</a:t>
+            </a:r>
+          </a:p>
+        </p:txBody>
+      </p:sp>
+      <p:sp>
+        <p:nvSpPr>
+          <p:cNvPr id="9" name="TextBox 8">
+            <a:extLst>
+              <a:ext uri="{FF2B5EF4-FFF2-40B4-BE49-F238E27FC236}">
+                <a16:creationId xmlns:a16="http://schemas.microsoft.com/office/drawing/2014/main" id="{46AF1663-32DC-4EDA-C042-73FD3DAA305E}"/>
+              </a:ext>
+            </a:extLst>
+          </p:cNvPr>
+          <p:cNvSpPr txBox="1"/>
+          <p:nvPr/>
+        </p:nvSpPr>
+        <p:spPr>
+          <a:xfrm>
+            <a:off x="6692386" y="2936673"/>
+            <a:ext cx="1858201" cy="369332"/>
+          </a:xfrm>
+          <a:prstGeom prst="rect">
+            <a:avLst/>
+          </a:prstGeom>
+          <a:noFill/>
+        </p:spPr>
+        <p:txBody>
+          <a:bodyPr wrap="none" rtlCol="0">
+            <a:spAutoFit/>
+          </a:bodyPr>
+          <a:lstStyle/>
+          <a:p>
+            <a:r>
+              <a:rPr lang="en-US" dirty="0">
+                <a:latin typeface="Times New Roman" panose="02020603050405020304" pitchFamily="18" charset="0"/>
+                <a:cs typeface="Times New Roman" panose="02020603050405020304" pitchFamily="18" charset="0"/>
+              </a:rPr>
+              <a:t>PIAB eigenvalues</a:t>
+            </a:r>
+          </a:p>
+        </p:txBody>
+      </p:sp>
+      <p:cxnSp>
+        <p:nvCxnSpPr>
+          <p:cNvPr id="12" name="Straight Arrow Connector 11">
+            <a:extLst>
+              <a:ext uri="{FF2B5EF4-FFF2-40B4-BE49-F238E27FC236}">
+                <a16:creationId xmlns:a16="http://schemas.microsoft.com/office/drawing/2014/main" id="{A5179367-0E9B-E24F-F9C2-F63B618B2490}"/>
+              </a:ext>
+            </a:extLst>
+          </p:cNvPr>
+          <p:cNvCxnSpPr/>
+          <p:nvPr/>
+        </p:nvCxnSpPr>
+        <p:spPr>
+          <a:xfrm flipV="1">
+            <a:off x="7714086" y="2166425"/>
+            <a:ext cx="0" cy="194629"/>
+          </a:xfrm>
+          <a:prstGeom prst="straightConnector1">
+            <a:avLst/>
+          </a:prstGeom>
+          <a:ln>
+            <a:tailEnd type="triangle"/>
+          </a:ln>
+        </p:spPr>
+        <p:style>
+          <a:lnRef idx="2">
+            <a:schemeClr val="accent1"/>
+          </a:lnRef>
+          <a:fillRef idx="0">
+            <a:schemeClr val="accent1"/>
+          </a:fillRef>
+          <a:effectRef idx="1">
+            <a:schemeClr val="accent1"/>
+          </a:effectRef>
+          <a:fontRef idx="minor">
+            <a:schemeClr val="tx1"/>
+          </a:fontRef>
+        </p:style>
+      </p:cxnSp>
+      <p:cxnSp>
+        <p:nvCxnSpPr>
+          <p:cNvPr id="13" name="Straight Arrow Connector 12">
+            <a:extLst>
+              <a:ext uri="{FF2B5EF4-FFF2-40B4-BE49-F238E27FC236}">
+                <a16:creationId xmlns:a16="http://schemas.microsoft.com/office/drawing/2014/main" id="{4B2C4C03-618C-EEAD-2831-837C30D864F0}"/>
+              </a:ext>
+            </a:extLst>
+          </p:cNvPr>
+          <p:cNvCxnSpPr>
+            <a:cxnSpLocks/>
+          </p:cNvCxnSpPr>
+          <p:nvPr/>
+        </p:nvCxnSpPr>
+        <p:spPr>
+          <a:xfrm flipH="1" flipV="1">
+            <a:off x="5991095" y="2745849"/>
+            <a:ext cx="736016" cy="363915"/>
+          </a:xfrm>
+          <a:prstGeom prst="straightConnector1">
+            <a:avLst/>
+          </a:prstGeom>
+          <a:ln>
+            <a:tailEnd type="triangle"/>
+          </a:ln>
+        </p:spPr>
+        <p:style>
+          <a:lnRef idx="2">
+            <a:schemeClr val="accent1"/>
+          </a:lnRef>
+          <a:fillRef idx="0">
+            <a:schemeClr val="accent1"/>
+          </a:fillRef>
+          <a:effectRef idx="1">
+            <a:schemeClr val="accent1"/>
+          </a:effectRef>
+          <a:fontRef idx="minor">
+            <a:schemeClr val="tx1"/>
+          </a:fontRef>
+        </p:style>
+      </p:cxnSp>
     </p:spTree>
     <p:extLst>
       <p:ext uri="{BB962C8B-B14F-4D97-AF65-F5344CB8AC3E}">
@@ -5113,7 +5565,7 @@
                             </p:stCondLst>
                             <p:childTnLst>
                               <p:par>
-                                <p:cTn id="5" presetID="2" presetClass="entr" presetSubtype="4" fill="hold" grpId="1" nodeType="clickEffect">
+                                <p:cTn id="5" presetID="2" presetClass="entr" presetSubtype="4" fill="hold" grpId="0" nodeType="clickEffect">
                                   <p:stCondLst>
                                     <p:cond delay="0"/>
                                   </p:stCondLst>
@@ -5126,7 +5578,7 @@
                                           </p:stCondLst>
                                         </p:cTn>
                                         <p:tgtEl>
-                                          <p:spTgt spid="22"/>
+                                          <p:spTgt spid="3"/>
                                         </p:tgtEl>
                                         <p:attrNameLst>
                                           <p:attrName>style.visibility</p:attrName>
@@ -5140,7 +5592,7 @@
                                       <p:cBhvr additive="base">
                                         <p:cTn id="7" dur="500" fill="hold"/>
                                         <p:tgtEl>
-                                          <p:spTgt spid="22"/>
+                                          <p:spTgt spid="3"/>
                                         </p:tgtEl>
                                         <p:attrNameLst>
                                           <p:attrName>ppt_x</p:attrName>
@@ -5163,7 +5615,7 @@
                                       <p:cBhvr additive="base">
                                         <p:cTn id="8" dur="500" fill="hold"/>
                                         <p:tgtEl>
-                                          <p:spTgt spid="22"/>
+                                          <p:spTgt spid="3"/>
                                         </p:tgtEl>
                                         <p:attrNameLst>
                                           <p:attrName>ppt_y</p:attrName>
@@ -5199,7 +5651,7 @@
                                           </p:stCondLst>
                                         </p:cTn>
                                         <p:tgtEl>
-                                          <p:spTgt spid="11"/>
+                                          <p:spTgt spid="12"/>
                                         </p:tgtEl>
                                         <p:attrNameLst>
                                           <p:attrName>style.visibility</p:attrName>
@@ -5213,7 +5665,7 @@
                                       <p:cBhvr additive="base">
                                         <p:cTn id="11" dur="500" fill="hold"/>
                                         <p:tgtEl>
-                                          <p:spTgt spid="11"/>
+                                          <p:spTgt spid="12"/>
                                         </p:tgtEl>
                                         <p:attrNameLst>
                                           <p:attrName>ppt_x</p:attrName>
@@ -5235,6 +5687,480 @@
                                     <p:anim calcmode="lin" valueType="num">
                                       <p:cBhvr additive="base">
                                         <p:cTn id="12" dur="500" fill="hold"/>
+                                        <p:tgtEl>
+                                          <p:spTgt spid="12"/>
+                                        </p:tgtEl>
+                                        <p:attrNameLst>
+                                          <p:attrName>ppt_y</p:attrName>
+                                        </p:attrNameLst>
+                                      </p:cBhvr>
+                                      <p:tavLst>
+                                        <p:tav tm="0">
+                                          <p:val>
+                                            <p:strVal val="1+#ppt_h/2"/>
+                                          </p:val>
+                                        </p:tav>
+                                        <p:tav tm="100000">
+                                          <p:val>
+                                            <p:strVal val="#ppt_y"/>
+                                          </p:val>
+                                        </p:tav>
+                                      </p:tavLst>
+                                    </p:anim>
+                                  </p:childTnLst>
+                                </p:cTn>
+                              </p:par>
+                              <p:par>
+                                <p:cTn id="13" presetID="2" presetClass="entr" presetSubtype="4" fill="hold" grpId="0" nodeType="withEffect">
+                                  <p:stCondLst>
+                                    <p:cond delay="0"/>
+                                  </p:stCondLst>
+                                  <p:childTnLst>
+                                    <p:set>
+                                      <p:cBhvr>
+                                        <p:cTn id="14" dur="1" fill="hold">
+                                          <p:stCondLst>
+                                            <p:cond delay="0"/>
+                                          </p:stCondLst>
+                                        </p:cTn>
+                                        <p:tgtEl>
+                                          <p:spTgt spid="8"/>
+                                        </p:tgtEl>
+                                        <p:attrNameLst>
+                                          <p:attrName>style.visibility</p:attrName>
+                                        </p:attrNameLst>
+                                      </p:cBhvr>
+                                      <p:to>
+                                        <p:strVal val="visible"/>
+                                      </p:to>
+                                    </p:set>
+                                    <p:anim calcmode="lin" valueType="num">
+                                      <p:cBhvr additive="base">
+                                        <p:cTn id="15" dur="500" fill="hold"/>
+                                        <p:tgtEl>
+                                          <p:spTgt spid="8"/>
+                                        </p:tgtEl>
+                                        <p:attrNameLst>
+                                          <p:attrName>ppt_x</p:attrName>
+                                        </p:attrNameLst>
+                                      </p:cBhvr>
+                                      <p:tavLst>
+                                        <p:tav tm="0">
+                                          <p:val>
+                                            <p:strVal val="#ppt_x"/>
+                                          </p:val>
+                                        </p:tav>
+                                        <p:tav tm="100000">
+                                          <p:val>
+                                            <p:strVal val="#ppt_x"/>
+                                          </p:val>
+                                        </p:tav>
+                                      </p:tavLst>
+                                    </p:anim>
+                                    <p:anim calcmode="lin" valueType="num">
+                                      <p:cBhvr additive="base">
+                                        <p:cTn id="16" dur="500" fill="hold"/>
+                                        <p:tgtEl>
+                                          <p:spTgt spid="8"/>
+                                        </p:tgtEl>
+                                        <p:attrNameLst>
+                                          <p:attrName>ppt_y</p:attrName>
+                                        </p:attrNameLst>
+                                      </p:cBhvr>
+                                      <p:tavLst>
+                                        <p:tav tm="0">
+                                          <p:val>
+                                            <p:strVal val="1+#ppt_h/2"/>
+                                          </p:val>
+                                        </p:tav>
+                                        <p:tav tm="100000">
+                                          <p:val>
+                                            <p:strVal val="#ppt_y"/>
+                                          </p:val>
+                                        </p:tav>
+                                      </p:tavLst>
+                                    </p:anim>
+                                  </p:childTnLst>
+                                </p:cTn>
+                              </p:par>
+                            </p:childTnLst>
+                          </p:cTn>
+                        </p:par>
+                      </p:childTnLst>
+                    </p:cTn>
+                  </p:par>
+                  <p:par>
+                    <p:cTn id="17" fill="hold">
+                      <p:stCondLst>
+                        <p:cond delay="indefinite"/>
+                      </p:stCondLst>
+                      <p:childTnLst>
+                        <p:par>
+                          <p:cTn id="18" fill="hold">
+                            <p:stCondLst>
+                              <p:cond delay="0"/>
+                            </p:stCondLst>
+                            <p:childTnLst>
+                              <p:par>
+                                <p:cTn id="19" presetID="2" presetClass="entr" presetSubtype="4" fill="hold" grpId="0" nodeType="clickEffect">
+                                  <p:stCondLst>
+                                    <p:cond delay="0"/>
+                                  </p:stCondLst>
+                                  <p:childTnLst>
+                                    <p:set>
+                                      <p:cBhvr>
+                                        <p:cTn id="20" dur="1" fill="hold">
+                                          <p:stCondLst>
+                                            <p:cond delay="0"/>
+                                          </p:stCondLst>
+                                        </p:cTn>
+                                        <p:tgtEl>
+                                          <p:spTgt spid="6"/>
+                                        </p:tgtEl>
+                                        <p:attrNameLst>
+                                          <p:attrName>style.visibility</p:attrName>
+                                        </p:attrNameLst>
+                                      </p:cBhvr>
+                                      <p:to>
+                                        <p:strVal val="visible"/>
+                                      </p:to>
+                                    </p:set>
+                                    <p:anim calcmode="lin" valueType="num">
+                                      <p:cBhvr additive="base">
+                                        <p:cTn id="21" dur="500" fill="hold"/>
+                                        <p:tgtEl>
+                                          <p:spTgt spid="6"/>
+                                        </p:tgtEl>
+                                        <p:attrNameLst>
+                                          <p:attrName>ppt_x</p:attrName>
+                                        </p:attrNameLst>
+                                      </p:cBhvr>
+                                      <p:tavLst>
+                                        <p:tav tm="0">
+                                          <p:val>
+                                            <p:strVal val="#ppt_x"/>
+                                          </p:val>
+                                        </p:tav>
+                                        <p:tav tm="100000">
+                                          <p:val>
+                                            <p:strVal val="#ppt_x"/>
+                                          </p:val>
+                                        </p:tav>
+                                      </p:tavLst>
+                                    </p:anim>
+                                    <p:anim calcmode="lin" valueType="num">
+                                      <p:cBhvr additive="base">
+                                        <p:cTn id="22" dur="500" fill="hold"/>
+                                        <p:tgtEl>
+                                          <p:spTgt spid="6"/>
+                                        </p:tgtEl>
+                                        <p:attrNameLst>
+                                          <p:attrName>ppt_y</p:attrName>
+                                        </p:attrNameLst>
+                                      </p:cBhvr>
+                                      <p:tavLst>
+                                        <p:tav tm="0">
+                                          <p:val>
+                                            <p:strVal val="1+#ppt_h/2"/>
+                                          </p:val>
+                                        </p:tav>
+                                        <p:tav tm="100000">
+                                          <p:val>
+                                            <p:strVal val="#ppt_y"/>
+                                          </p:val>
+                                        </p:tav>
+                                      </p:tavLst>
+                                    </p:anim>
+                                  </p:childTnLst>
+                                </p:cTn>
+                              </p:par>
+                              <p:par>
+                                <p:cTn id="23" presetID="2" presetClass="entr" presetSubtype="4" fill="hold" nodeType="withEffect">
+                                  <p:stCondLst>
+                                    <p:cond delay="0"/>
+                                  </p:stCondLst>
+                                  <p:childTnLst>
+                                    <p:set>
+                                      <p:cBhvr>
+                                        <p:cTn id="24" dur="1" fill="hold">
+                                          <p:stCondLst>
+                                            <p:cond delay="0"/>
+                                          </p:stCondLst>
+                                        </p:cTn>
+                                        <p:tgtEl>
+                                          <p:spTgt spid="13"/>
+                                        </p:tgtEl>
+                                        <p:attrNameLst>
+                                          <p:attrName>style.visibility</p:attrName>
+                                        </p:attrNameLst>
+                                      </p:cBhvr>
+                                      <p:to>
+                                        <p:strVal val="visible"/>
+                                      </p:to>
+                                    </p:set>
+                                    <p:anim calcmode="lin" valueType="num">
+                                      <p:cBhvr additive="base">
+                                        <p:cTn id="25" dur="500" fill="hold"/>
+                                        <p:tgtEl>
+                                          <p:spTgt spid="13"/>
+                                        </p:tgtEl>
+                                        <p:attrNameLst>
+                                          <p:attrName>ppt_x</p:attrName>
+                                        </p:attrNameLst>
+                                      </p:cBhvr>
+                                      <p:tavLst>
+                                        <p:tav tm="0">
+                                          <p:val>
+                                            <p:strVal val="#ppt_x"/>
+                                          </p:val>
+                                        </p:tav>
+                                        <p:tav tm="100000">
+                                          <p:val>
+                                            <p:strVal val="#ppt_x"/>
+                                          </p:val>
+                                        </p:tav>
+                                      </p:tavLst>
+                                    </p:anim>
+                                    <p:anim calcmode="lin" valueType="num">
+                                      <p:cBhvr additive="base">
+                                        <p:cTn id="26" dur="500" fill="hold"/>
+                                        <p:tgtEl>
+                                          <p:spTgt spid="13"/>
+                                        </p:tgtEl>
+                                        <p:attrNameLst>
+                                          <p:attrName>ppt_y</p:attrName>
+                                        </p:attrNameLst>
+                                      </p:cBhvr>
+                                      <p:tavLst>
+                                        <p:tav tm="0">
+                                          <p:val>
+                                            <p:strVal val="1+#ppt_h/2"/>
+                                          </p:val>
+                                        </p:tav>
+                                        <p:tav tm="100000">
+                                          <p:val>
+                                            <p:strVal val="#ppt_y"/>
+                                          </p:val>
+                                        </p:tav>
+                                      </p:tavLst>
+                                    </p:anim>
+                                  </p:childTnLst>
+                                </p:cTn>
+                              </p:par>
+                              <p:par>
+                                <p:cTn id="27" presetID="2" presetClass="entr" presetSubtype="4" fill="hold" grpId="0" nodeType="withEffect">
+                                  <p:stCondLst>
+                                    <p:cond delay="0"/>
+                                  </p:stCondLst>
+                                  <p:childTnLst>
+                                    <p:set>
+                                      <p:cBhvr>
+                                        <p:cTn id="28" dur="1" fill="hold">
+                                          <p:stCondLst>
+                                            <p:cond delay="0"/>
+                                          </p:stCondLst>
+                                        </p:cTn>
+                                        <p:tgtEl>
+                                          <p:spTgt spid="9"/>
+                                        </p:tgtEl>
+                                        <p:attrNameLst>
+                                          <p:attrName>style.visibility</p:attrName>
+                                        </p:attrNameLst>
+                                      </p:cBhvr>
+                                      <p:to>
+                                        <p:strVal val="visible"/>
+                                      </p:to>
+                                    </p:set>
+                                    <p:anim calcmode="lin" valueType="num">
+                                      <p:cBhvr additive="base">
+                                        <p:cTn id="29" dur="500" fill="hold"/>
+                                        <p:tgtEl>
+                                          <p:spTgt spid="9"/>
+                                        </p:tgtEl>
+                                        <p:attrNameLst>
+                                          <p:attrName>ppt_x</p:attrName>
+                                        </p:attrNameLst>
+                                      </p:cBhvr>
+                                      <p:tavLst>
+                                        <p:tav tm="0">
+                                          <p:val>
+                                            <p:strVal val="#ppt_x"/>
+                                          </p:val>
+                                        </p:tav>
+                                        <p:tav tm="100000">
+                                          <p:val>
+                                            <p:strVal val="#ppt_x"/>
+                                          </p:val>
+                                        </p:tav>
+                                      </p:tavLst>
+                                    </p:anim>
+                                    <p:anim calcmode="lin" valueType="num">
+                                      <p:cBhvr additive="base">
+                                        <p:cTn id="30" dur="500" fill="hold"/>
+                                        <p:tgtEl>
+                                          <p:spTgt spid="9"/>
+                                        </p:tgtEl>
+                                        <p:attrNameLst>
+                                          <p:attrName>ppt_y</p:attrName>
+                                        </p:attrNameLst>
+                                      </p:cBhvr>
+                                      <p:tavLst>
+                                        <p:tav tm="0">
+                                          <p:val>
+                                            <p:strVal val="1+#ppt_h/2"/>
+                                          </p:val>
+                                        </p:tav>
+                                        <p:tav tm="100000">
+                                          <p:val>
+                                            <p:strVal val="#ppt_y"/>
+                                          </p:val>
+                                        </p:tav>
+                                      </p:tavLst>
+                                    </p:anim>
+                                  </p:childTnLst>
+                                </p:cTn>
+                              </p:par>
+                            </p:childTnLst>
+                          </p:cTn>
+                        </p:par>
+                      </p:childTnLst>
+                    </p:cTn>
+                  </p:par>
+                  <p:par>
+                    <p:cTn id="31" fill="hold">
+                      <p:stCondLst>
+                        <p:cond delay="indefinite"/>
+                      </p:stCondLst>
+                      <p:childTnLst>
+                        <p:par>
+                          <p:cTn id="32" fill="hold">
+                            <p:stCondLst>
+                              <p:cond delay="0"/>
+                            </p:stCondLst>
+                            <p:childTnLst>
+                              <p:par>
+                                <p:cTn id="33" presetID="2" presetClass="entr" presetSubtype="4" fill="hold" grpId="1" nodeType="clickEffect">
+                                  <p:stCondLst>
+                                    <p:cond delay="0"/>
+                                  </p:stCondLst>
+                                  <p:childTnLst>
+                                    <p:set>
+                                      <p:cBhvr>
+                                        <p:cTn id="34" dur="1" fill="hold">
+                                          <p:stCondLst>
+                                            <p:cond delay="0"/>
+                                          </p:stCondLst>
+                                        </p:cTn>
+                                        <p:tgtEl>
+                                          <p:spTgt spid="22"/>
+                                        </p:tgtEl>
+                                        <p:attrNameLst>
+                                          <p:attrName>style.visibility</p:attrName>
+                                        </p:attrNameLst>
+                                      </p:cBhvr>
+                                      <p:to>
+                                        <p:strVal val="visible"/>
+                                      </p:to>
+                                    </p:set>
+                                    <p:anim calcmode="lin" valueType="num">
+                                      <p:cBhvr additive="base">
+                                        <p:cTn id="35" dur="500" fill="hold"/>
+                                        <p:tgtEl>
+                                          <p:spTgt spid="22"/>
+                                        </p:tgtEl>
+                                        <p:attrNameLst>
+                                          <p:attrName>ppt_x</p:attrName>
+                                        </p:attrNameLst>
+                                      </p:cBhvr>
+                                      <p:tavLst>
+                                        <p:tav tm="0">
+                                          <p:val>
+                                            <p:strVal val="#ppt_x"/>
+                                          </p:val>
+                                        </p:tav>
+                                        <p:tav tm="100000">
+                                          <p:val>
+                                            <p:strVal val="#ppt_x"/>
+                                          </p:val>
+                                        </p:tav>
+                                      </p:tavLst>
+                                    </p:anim>
+                                    <p:anim calcmode="lin" valueType="num">
+                                      <p:cBhvr additive="base">
+                                        <p:cTn id="36" dur="500" fill="hold"/>
+                                        <p:tgtEl>
+                                          <p:spTgt spid="22"/>
+                                        </p:tgtEl>
+                                        <p:attrNameLst>
+                                          <p:attrName>ppt_y</p:attrName>
+                                        </p:attrNameLst>
+                                      </p:cBhvr>
+                                      <p:tavLst>
+                                        <p:tav tm="0">
+                                          <p:val>
+                                            <p:strVal val="1+#ppt_h/2"/>
+                                          </p:val>
+                                        </p:tav>
+                                        <p:tav tm="100000">
+                                          <p:val>
+                                            <p:strVal val="#ppt_y"/>
+                                          </p:val>
+                                        </p:tav>
+                                      </p:tavLst>
+                                    </p:anim>
+                                  </p:childTnLst>
+                                </p:cTn>
+                              </p:par>
+                              <p:par>
+                                <p:cTn id="37" presetID="2" presetClass="entr" presetSubtype="4" fill="hold" nodeType="withEffect">
+                                  <p:stCondLst>
+                                    <p:cond delay="0"/>
+                                  </p:stCondLst>
+                                  <p:childTnLst>
+                                    <p:set>
+                                      <p:cBhvr>
+                                        <p:cTn id="38" dur="1" fill="hold">
+                                          <p:stCondLst>
+                                            <p:cond delay="0"/>
+                                          </p:stCondLst>
+                                        </p:cTn>
+                                        <p:tgtEl>
+                                          <p:spTgt spid="11"/>
+                                        </p:tgtEl>
+                                        <p:attrNameLst>
+                                          <p:attrName>style.visibility</p:attrName>
+                                        </p:attrNameLst>
+                                      </p:cBhvr>
+                                      <p:to>
+                                        <p:strVal val="visible"/>
+                                      </p:to>
+                                    </p:set>
+                                    <p:anim calcmode="lin" valueType="num">
+                                      <p:cBhvr additive="base">
+                                        <p:cTn id="39" dur="500" fill="hold"/>
+                                        <p:tgtEl>
+                                          <p:spTgt spid="11"/>
+                                        </p:tgtEl>
+                                        <p:attrNameLst>
+                                          <p:attrName>ppt_x</p:attrName>
+                                        </p:attrNameLst>
+                                      </p:cBhvr>
+                                      <p:tavLst>
+                                        <p:tav tm="0">
+                                          <p:val>
+                                            <p:strVal val="#ppt_x"/>
+                                          </p:val>
+                                        </p:tav>
+                                        <p:tav tm="100000">
+                                          <p:val>
+                                            <p:strVal val="#ppt_x"/>
+                                          </p:val>
+                                        </p:tav>
+                                      </p:tavLst>
+                                    </p:anim>
+                                    <p:anim calcmode="lin" valueType="num">
+                                      <p:cBhvr additive="base">
+                                        <p:cTn id="40" dur="500" fill="hold"/>
                                         <p:tgtEl>
                                           <p:spTgt spid="11"/>
                                         </p:tgtEl>
@@ -5262,13 +6188,13 @@
                           </p:cTn>
                         </p:par>
                         <p:par>
-                          <p:cTn id="13" fill="hold">
+                          <p:cTn id="41" fill="hold">
                             <p:stCondLst>
                               <p:cond delay="500"/>
                             </p:stCondLst>
                             <p:childTnLst>
                               <p:par>
-                                <p:cTn id="14" presetID="0" presetClass="path" presetSubtype="0" repeatCount="indefinite" accel="50000" decel="50000" fill="hold" grpId="0" nodeType="afterEffect">
+                                <p:cTn id="42" presetID="0" presetClass="path" presetSubtype="0" repeatCount="indefinite" accel="50000" decel="50000" fill="hold" grpId="0" nodeType="afterEffect">
                                   <p:stCondLst>
                                     <p:cond delay="0"/>
                                   </p:stCondLst>
@@ -5282,7 +6208,7 @@
                                   <p:childTnLst>
                                     <p:animMotion origin="layout" path="M 0.04028 0.00046 C 0.1724 0.00116 0.46615 0.00046 0.39341 0.00046 C 0.32066 0.00046 -0.39583 0.00046 -0.396 0.00046 C -0.39635 0.00046 0.39028 1.85185E-6 0.3915 0.00046 C 0.39237 0.00116 -0.39166 0.00347 -0.39027 0.00347 C -0.38906 0.00347 0.39966 0.00116 0.39896 0.00046 C 0.39844 1.85185E-6 -0.39375 0.00046 -0.39409 0.00046 C -0.39479 0.00046 0.39462 1.85185E-6 0.39514 0.00046 C 0.39549 0.00116 -0.3927 0.00347 -0.39236 0.00347 C -0.39166 0.00347 0.40018 0.00139 0.39896 0.00046 C 0.39775 -0.00023 -0.33975 -0.00185 -0.39982 -0.00232 C -0.45972 -0.00278 -0.09201 1.85185E-6 0.04028 0.00046 Z " pathEditMode="relative" rAng="0" ptsTypes="aaaaaaaaaaaa">
                                       <p:cBhvr>
-                                        <p:cTn id="15" dur="2000" fill="hold"/>
+                                        <p:cTn id="43" dur="2000" fill="hold"/>
                                         <p:tgtEl>
                                           <p:spTgt spid="22"/>
                                         </p:tgtEl>
@@ -5326,6 +6252,10 @@
     <p:bldLst>
       <p:bldP spid="22" grpId="0" animBg="1"/>
       <p:bldP spid="22" grpId="1" animBg="1"/>
+      <p:bldP spid="3" grpId="0" animBg="1"/>
+      <p:bldP spid="6" grpId="0" animBg="1"/>
+      <p:bldP spid="8" grpId="0"/>
+      <p:bldP spid="9" grpId="0"/>
     </p:bldLst>
   </p:timing>
 </p:sld>
@@ -5442,30 +6372,6 @@
           </a:p>
         </p:txBody>
       </p:sp>
-      <p:pic>
-        <p:nvPicPr>
-          <p:cNvPr id="3" name="Picture 2"/>
-          <p:cNvPicPr>
-            <a:picLocks noChangeAspect="1"/>
-          </p:cNvPicPr>
-          <p:nvPr/>
-        </p:nvPicPr>
-        <p:blipFill>
-          <a:blip r:embed="rId3"/>
-          <a:stretch>
-            <a:fillRect/>
-          </a:stretch>
-        </p:blipFill>
-        <p:spPr>
-          <a:xfrm>
-            <a:off x="-5636757" y="-1515328"/>
-            <a:ext cx="1866900" cy="558800"/>
-          </a:xfrm>
-          <a:prstGeom prst="rect">
-            <a:avLst/>
-          </a:prstGeom>
-        </p:spPr>
-      </p:pic>
       <p:sp>
         <p:nvSpPr>
           <p:cNvPr id="16" name="Rectangle 5"/>
@@ -5648,7 +6554,7 @@
           <p:nvPr/>
         </p:nvPicPr>
         <p:blipFill rotWithShape="1">
-          <a:blip r:embed="rId4"/>
+          <a:blip r:embed="rId3"/>
           <a:srcRect l="6042" b="57143"/>
           <a:stretch/>
         </p:blipFill>
@@ -5671,7 +6577,7 @@
           <p:nvPr/>
         </p:nvPicPr>
         <p:blipFill>
-          <a:blip r:embed="rId5"/>
+          <a:blip r:embed="rId4"/>
           <a:stretch>
             <a:fillRect/>
           </a:stretch>
@@ -5779,7 +6685,7 @@
           <p:nvPr/>
         </p:nvPicPr>
         <p:blipFill>
-          <a:blip r:embed="rId6"/>
+          <a:blip r:embed="rId5"/>
           <a:stretch>
             <a:fillRect/>
           </a:stretch>
@@ -5803,7 +6709,7 @@
           <p:nvPr/>
         </p:nvPicPr>
         <p:blipFill>
-          <a:blip r:embed="rId7"/>
+          <a:blip r:embed="rId6"/>
           <a:stretch>
             <a:fillRect/>
           </a:stretch>
@@ -5840,6 +6746,9 @@
                     <p:cTn id="3" fill="hold">
                       <p:stCondLst>
                         <p:cond delay="indefinite"/>
+                        <p:cond evt="onBegin" delay="0">
+                          <p:tn val="2"/>
+                        </p:cond>
                       </p:stCondLst>
                       <p:childTnLst>
                         <p:par>
@@ -5849,7 +6758,7 @@
                             </p:stCondLst>
                             <p:childTnLst>
                               <p:par>
-                                <p:cTn id="5" presetID="2" presetClass="entr" presetSubtype="4" fill="hold" nodeType="clickEffect">
+                                <p:cTn id="5" presetID="2" presetClass="entr" presetSubtype="4" fill="hold" nodeType="withEffect">
                                   <p:stCondLst>
                                     <p:cond delay="0"/>
                                   </p:stCondLst>
@@ -6416,30 +7325,6 @@
           </a:p>
         </p:txBody>
       </p:sp>
-      <p:pic>
-        <p:nvPicPr>
-          <p:cNvPr id="3" name="Picture 2"/>
-          <p:cNvPicPr>
-            <a:picLocks noChangeAspect="1"/>
-          </p:cNvPicPr>
-          <p:nvPr/>
-        </p:nvPicPr>
-        <p:blipFill>
-          <a:blip r:embed="rId3"/>
-          <a:stretch>
-            <a:fillRect/>
-          </a:stretch>
-        </p:blipFill>
-        <p:spPr>
-          <a:xfrm>
-            <a:off x="-5636757" y="-1515328"/>
-            <a:ext cx="1866900" cy="558800"/>
-          </a:xfrm>
-          <a:prstGeom prst="rect">
-            <a:avLst/>
-          </a:prstGeom>
-        </p:spPr>
-      </p:pic>
       <p:sp>
         <p:nvSpPr>
           <p:cNvPr id="16" name="Rectangle 5"/>
@@ -6704,7 +7589,7 @@
           <p:nvPr/>
         </p:nvPicPr>
         <p:blipFill>
-          <a:blip r:embed="rId4"/>
+          <a:blip r:embed="rId3"/>
           <a:stretch>
             <a:fillRect/>
           </a:stretch>
@@ -6722,6 +7607,30 @@
       <p:pic>
         <p:nvPicPr>
           <p:cNvPr id="7" name="Picture 6"/>
+          <p:cNvPicPr>
+            <a:picLocks noChangeAspect="1"/>
+          </p:cNvPicPr>
+          <p:nvPr/>
+        </p:nvPicPr>
+        <p:blipFill>
+          <a:blip r:embed="rId4"/>
+          <a:stretch>
+            <a:fillRect/>
+          </a:stretch>
+        </p:blipFill>
+        <p:spPr>
+          <a:xfrm>
+            <a:off x="4732422" y="1956766"/>
+            <a:ext cx="3221792" cy="831956"/>
+          </a:xfrm>
+          <a:prstGeom prst="rect">
+            <a:avLst/>
+          </a:prstGeom>
+        </p:spPr>
+      </p:pic>
+      <p:pic>
+        <p:nvPicPr>
+          <p:cNvPr id="8" name="Picture 7"/>
           <p:cNvPicPr>
             <a:picLocks noChangeAspect="1"/>
           </p:cNvPicPr>
@@ -6735,30 +7644,6 @@
         </p:blipFill>
         <p:spPr>
           <a:xfrm>
-            <a:off x="4732422" y="1956766"/>
-            <a:ext cx="3221792" cy="831956"/>
-          </a:xfrm>
-          <a:prstGeom prst="rect">
-            <a:avLst/>
-          </a:prstGeom>
-        </p:spPr>
-      </p:pic>
-      <p:pic>
-        <p:nvPicPr>
-          <p:cNvPr id="8" name="Picture 7"/>
-          <p:cNvPicPr>
-            <a:picLocks noChangeAspect="1"/>
-          </p:cNvPicPr>
-          <p:nvPr/>
-        </p:nvPicPr>
-        <p:blipFill>
-          <a:blip r:embed="rId6"/>
-          <a:stretch>
-            <a:fillRect/>
-          </a:stretch>
-        </p:blipFill>
-        <p:spPr>
-          <a:xfrm>
             <a:off x="1362911" y="3209304"/>
             <a:ext cx="1872247" cy="726780"/>
           </a:xfrm>
@@ -6776,7 +7661,7 @@
           <p:nvPr/>
         </p:nvPicPr>
         <p:blipFill>
-          <a:blip r:embed="rId7"/>
+          <a:blip r:embed="rId6"/>
           <a:stretch>
             <a:fillRect/>
           </a:stretch>
@@ -6869,6 +7754,9 @@
                     <p:cTn id="3" fill="hold">
                       <p:stCondLst>
                         <p:cond delay="indefinite"/>
+                        <p:cond evt="onBegin" delay="0">
+                          <p:tn val="2"/>
+                        </p:cond>
                       </p:stCondLst>
                       <p:childTnLst>
                         <p:par>
@@ -6878,7 +7766,7 @@
                             </p:stCondLst>
                             <p:childTnLst>
                               <p:par>
-                                <p:cTn id="5" presetID="2" presetClass="entr" presetSubtype="4" fill="hold" nodeType="clickEffect">
+                                <p:cTn id="5" presetID="2" presetClass="entr" presetSubtype="4" fill="hold" nodeType="afterEffect">
                                   <p:stCondLst>
                                     <p:cond delay="0"/>
                                   </p:stCondLst>
@@ -9058,30 +9946,6 @@
           </a:p>
         </p:txBody>
       </p:sp>
-      <p:pic>
-        <p:nvPicPr>
-          <p:cNvPr id="3" name="Picture 2"/>
-          <p:cNvPicPr>
-            <a:picLocks noChangeAspect="1"/>
-          </p:cNvPicPr>
-          <p:nvPr/>
-        </p:nvPicPr>
-        <p:blipFill>
-          <a:blip r:embed="rId3"/>
-          <a:stretch>
-            <a:fillRect/>
-          </a:stretch>
-        </p:blipFill>
-        <p:spPr>
-          <a:xfrm>
-            <a:off x="-5636757" y="-1515328"/>
-            <a:ext cx="1866900" cy="558800"/>
-          </a:xfrm>
-          <a:prstGeom prst="rect">
-            <a:avLst/>
-          </a:prstGeom>
-        </p:spPr>
-      </p:pic>
       <p:sp>
         <p:nvSpPr>
           <p:cNvPr id="16" name="Rectangle 5"/>
@@ -9300,7 +10164,7 @@
           <p:nvPr/>
         </p:nvPicPr>
         <p:blipFill>
-          <a:blip r:embed="rId4"/>
+          <a:blip r:embed="rId3"/>
           <a:stretch>
             <a:fillRect/>
           </a:stretch>
@@ -9324,7 +10188,7 @@
           <p:nvPr/>
         </p:nvPicPr>
         <p:blipFill>
-          <a:blip r:embed="rId5"/>
+          <a:blip r:embed="rId4"/>
           <a:stretch>
             <a:fillRect/>
           </a:stretch>
@@ -9986,30 +10850,6 @@
           </a:p>
         </p:txBody>
       </p:sp>
-      <p:pic>
-        <p:nvPicPr>
-          <p:cNvPr id="3" name="Picture 2"/>
-          <p:cNvPicPr>
-            <a:picLocks noChangeAspect="1"/>
-          </p:cNvPicPr>
-          <p:nvPr/>
-        </p:nvPicPr>
-        <p:blipFill>
-          <a:blip r:embed="rId3"/>
-          <a:stretch>
-            <a:fillRect/>
-          </a:stretch>
-        </p:blipFill>
-        <p:spPr>
-          <a:xfrm>
-            <a:off x="-5636757" y="-1515328"/>
-            <a:ext cx="1866900" cy="558800"/>
-          </a:xfrm>
-          <a:prstGeom prst="rect">
-            <a:avLst/>
-          </a:prstGeom>
-        </p:spPr>
-      </p:pic>
       <p:sp>
         <p:nvSpPr>
           <p:cNvPr id="16" name="Rectangle 5"/>
@@ -10228,7 +11068,7 @@
           <p:nvPr/>
         </p:nvPicPr>
         <p:blipFill>
-          <a:blip r:embed="rId4"/>
+          <a:blip r:embed="rId3"/>
           <a:stretch>
             <a:fillRect/>
           </a:stretch>
@@ -10252,7 +11092,7 @@
           <p:nvPr/>
         </p:nvPicPr>
         <p:blipFill>
-          <a:blip r:embed="rId5"/>
+          <a:blip r:embed="rId4"/>
           <a:stretch>
             <a:fillRect/>
           </a:stretch>
@@ -10700,30 +11540,6 @@
           </a:p>
         </p:txBody>
       </p:sp>
-      <p:pic>
-        <p:nvPicPr>
-          <p:cNvPr id="3" name="Picture 2"/>
-          <p:cNvPicPr>
-            <a:picLocks noChangeAspect="1"/>
-          </p:cNvPicPr>
-          <p:nvPr/>
-        </p:nvPicPr>
-        <p:blipFill>
-          <a:blip r:embed="rId3"/>
-          <a:stretch>
-            <a:fillRect/>
-          </a:stretch>
-        </p:blipFill>
-        <p:spPr>
-          <a:xfrm>
-            <a:off x="-5636757" y="-1515328"/>
-            <a:ext cx="1866900" cy="558800"/>
-          </a:xfrm>
-          <a:prstGeom prst="rect">
-            <a:avLst/>
-          </a:prstGeom>
-        </p:spPr>
-      </p:pic>
       <p:sp>
         <p:nvSpPr>
           <p:cNvPr id="16" name="Rectangle 5"/>
@@ -10924,7 +11740,7 @@
           <p:nvPr/>
         </p:nvPicPr>
         <p:blipFill rotWithShape="1">
-          <a:blip r:embed="rId4"/>
+          <a:blip r:embed="rId3"/>
           <a:srcRect r="55263"/>
           <a:stretch/>
         </p:blipFill>
@@ -11334,7 +12150,7 @@
           <p:nvPr/>
         </p:nvPicPr>
         <p:blipFill rotWithShape="1">
-          <a:blip r:embed="rId5"/>
+          <a:blip r:embed="rId4"/>
           <a:srcRect l="39734" r="21325"/>
           <a:stretch/>
         </p:blipFill>
@@ -11485,6 +12301,56 @@
           </a:p>
         </p:txBody>
       </p:sp>
+      <p:sp>
+        <p:nvSpPr>
+          <p:cNvPr id="2" name="Rectangle 1">
+            <a:extLst>
+              <a:ext uri="{FF2B5EF4-FFF2-40B4-BE49-F238E27FC236}">
+                <a16:creationId xmlns:a16="http://schemas.microsoft.com/office/drawing/2014/main" id="{7A9E398A-CB91-D6A4-13EF-564E952CDF36}"/>
+              </a:ext>
+            </a:extLst>
+          </p:cNvPr>
+          <p:cNvSpPr/>
+          <p:nvPr/>
+        </p:nvSpPr>
+        <p:spPr>
+          <a:xfrm>
+            <a:off x="474393" y="967808"/>
+            <a:ext cx="3136908" cy="914400"/>
+          </a:xfrm>
+          <a:prstGeom prst="rect">
+            <a:avLst/>
+          </a:prstGeom>
+          <a:noFill/>
+          <a:ln w="31750">
+            <a:solidFill>
+              <a:srgbClr val="00B050"/>
+            </a:solidFill>
+          </a:ln>
+        </p:spPr>
+        <p:style>
+          <a:lnRef idx="1">
+            <a:schemeClr val="accent1"/>
+          </a:lnRef>
+          <a:fillRef idx="3">
+            <a:schemeClr val="accent1"/>
+          </a:fillRef>
+          <a:effectRef idx="2">
+            <a:schemeClr val="accent1"/>
+          </a:effectRef>
+          <a:fontRef idx="minor">
+            <a:schemeClr val="lt1"/>
+          </a:fontRef>
+        </p:style>
+        <p:txBody>
+          <a:bodyPr rtlCol="0" anchor="ctr"/>
+          <a:lstStyle/>
+          <a:p>
+            <a:pPr algn="ctr"/>
+            <a:endParaRPr lang="en-US"/>
+          </a:p>
+        </p:txBody>
+      </p:sp>
     </p:spTree>
     <p:extLst>
       <p:ext uri="{BB962C8B-B14F-4D97-AF65-F5344CB8AC3E}">
@@ -11495,6 +12361,130 @@
   <p:clrMapOvr>
     <a:masterClrMapping/>
   </p:clrMapOvr>
+  <p:timing>
+    <p:tnLst>
+      <p:par>
+        <p:cTn id="1" dur="indefinite" restart="never" nodeType="tmRoot">
+          <p:childTnLst>
+            <p:seq concurrent="1" nextAc="seek">
+              <p:cTn id="2" dur="indefinite" nodeType="mainSeq">
+                <p:childTnLst>
+                  <p:par>
+                    <p:cTn id="3" fill="hold">
+                      <p:stCondLst>
+                        <p:cond delay="indefinite"/>
+                      </p:stCondLst>
+                      <p:childTnLst>
+                        <p:par>
+                          <p:cTn id="4" fill="hold">
+                            <p:stCondLst>
+                              <p:cond delay="0"/>
+                            </p:stCondLst>
+                            <p:childTnLst>
+                              <p:par>
+                                <p:cTn id="5" presetID="2" presetClass="entr" presetSubtype="4" fill="hold" grpId="0" nodeType="clickEffect">
+                                  <p:stCondLst>
+                                    <p:cond delay="0"/>
+                                  </p:stCondLst>
+                                  <p:childTnLst>
+                                    <p:set>
+                                      <p:cBhvr>
+                                        <p:cTn id="6" dur="1" fill="hold">
+                                          <p:stCondLst>
+                                            <p:cond delay="0"/>
+                                          </p:stCondLst>
+                                        </p:cTn>
+                                        <p:tgtEl>
+                                          <p:spTgt spid="2"/>
+                                        </p:tgtEl>
+                                        <p:attrNameLst>
+                                          <p:attrName>style.visibility</p:attrName>
+                                        </p:attrNameLst>
+                                      </p:cBhvr>
+                                      <p:to>
+                                        <p:strVal val="visible"/>
+                                      </p:to>
+                                    </p:set>
+                                    <p:anim calcmode="lin" valueType="num">
+                                      <p:cBhvr additive="base">
+                                        <p:cTn id="7" dur="500" fill="hold"/>
+                                        <p:tgtEl>
+                                          <p:spTgt spid="2"/>
+                                        </p:tgtEl>
+                                        <p:attrNameLst>
+                                          <p:attrName>ppt_x</p:attrName>
+                                        </p:attrNameLst>
+                                      </p:cBhvr>
+                                      <p:tavLst>
+                                        <p:tav tm="0">
+                                          <p:val>
+                                            <p:strVal val="#ppt_x"/>
+                                          </p:val>
+                                        </p:tav>
+                                        <p:tav tm="100000">
+                                          <p:val>
+                                            <p:strVal val="#ppt_x"/>
+                                          </p:val>
+                                        </p:tav>
+                                      </p:tavLst>
+                                    </p:anim>
+                                    <p:anim calcmode="lin" valueType="num">
+                                      <p:cBhvr additive="base">
+                                        <p:cTn id="8" dur="500" fill="hold"/>
+                                        <p:tgtEl>
+                                          <p:spTgt spid="2"/>
+                                        </p:tgtEl>
+                                        <p:attrNameLst>
+                                          <p:attrName>ppt_y</p:attrName>
+                                        </p:attrNameLst>
+                                      </p:cBhvr>
+                                      <p:tavLst>
+                                        <p:tav tm="0">
+                                          <p:val>
+                                            <p:strVal val="1+#ppt_h/2"/>
+                                          </p:val>
+                                        </p:tav>
+                                        <p:tav tm="100000">
+                                          <p:val>
+                                            <p:strVal val="#ppt_y"/>
+                                          </p:val>
+                                        </p:tav>
+                                      </p:tavLst>
+                                    </p:anim>
+                                  </p:childTnLst>
+                                </p:cTn>
+                              </p:par>
+                            </p:childTnLst>
+                          </p:cTn>
+                        </p:par>
+                      </p:childTnLst>
+                    </p:cTn>
+                  </p:par>
+                </p:childTnLst>
+              </p:cTn>
+              <p:prevCondLst>
+                <p:cond evt="onPrev" delay="0">
+                  <p:tgtEl>
+                    <p:sldTgt/>
+                  </p:tgtEl>
+                </p:cond>
+              </p:prevCondLst>
+              <p:nextCondLst>
+                <p:cond evt="onNext" delay="0">
+                  <p:tgtEl>
+                    <p:sldTgt/>
+                  </p:tgtEl>
+                </p:cond>
+              </p:nextCondLst>
+            </p:seq>
+          </p:childTnLst>
+        </p:cTn>
+      </p:par>
+    </p:tnLst>
+    <p:bldLst>
+      <p:bldP spid="2" grpId="0" animBg="1"/>
+    </p:bldLst>
+  </p:timing>
 </p:sld>
 </file>
 
@@ -11609,30 +12599,6 @@
           </a:p>
         </p:txBody>
       </p:sp>
-      <p:pic>
-        <p:nvPicPr>
-          <p:cNvPr id="3" name="Picture 2"/>
-          <p:cNvPicPr>
-            <a:picLocks noChangeAspect="1"/>
-          </p:cNvPicPr>
-          <p:nvPr/>
-        </p:nvPicPr>
-        <p:blipFill>
-          <a:blip r:embed="rId3"/>
-          <a:stretch>
-            <a:fillRect/>
-          </a:stretch>
-        </p:blipFill>
-        <p:spPr>
-          <a:xfrm>
-            <a:off x="-5636757" y="-1515328"/>
-            <a:ext cx="1866900" cy="558800"/>
-          </a:xfrm>
-          <a:prstGeom prst="rect">
-            <a:avLst/>
-          </a:prstGeom>
-        </p:spPr>
-      </p:pic>
       <p:sp>
         <p:nvSpPr>
           <p:cNvPr id="16" name="Rectangle 5"/>
@@ -13169,30 +14135,6 @@
       </p:sp>
       <p:pic>
         <p:nvPicPr>
-          <p:cNvPr id="3" name="Picture 2"/>
-          <p:cNvPicPr>
-            <a:picLocks noChangeAspect="1"/>
-          </p:cNvPicPr>
-          <p:nvPr/>
-        </p:nvPicPr>
-        <p:blipFill>
-          <a:blip r:embed="rId3"/>
-          <a:stretch>
-            <a:fillRect/>
-          </a:stretch>
-        </p:blipFill>
-        <p:spPr>
-          <a:xfrm>
-            <a:off x="-5636757" y="-1515328"/>
-            <a:ext cx="1866900" cy="558800"/>
-          </a:xfrm>
-          <a:prstGeom prst="rect">
-            <a:avLst/>
-          </a:prstGeom>
-        </p:spPr>
-      </p:pic>
-      <p:pic>
-        <p:nvPicPr>
           <p:cNvPr id="2" name="Picture 1"/>
           <p:cNvPicPr>
             <a:picLocks noChangeAspect="1"/>
@@ -13200,7 +14142,7 @@
           <p:nvPr/>
         </p:nvPicPr>
         <p:blipFill rotWithShape="1">
-          <a:blip r:embed="rId4"/>
+          <a:blip r:embed="rId3"/>
           <a:srcRect r="66955" b="-10884"/>
           <a:stretch/>
         </p:blipFill>
@@ -13223,7 +14165,7 @@
           <p:nvPr/>
         </p:nvPicPr>
         <p:blipFill rotWithShape="1">
-          <a:blip r:embed="rId4"/>
+          <a:blip r:embed="rId3"/>
           <a:srcRect l="33046"/>
           <a:stretch/>
         </p:blipFill>
@@ -13445,7 +14387,7 @@
           <p:nvPr/>
         </p:nvPicPr>
         <p:blipFill>
-          <a:blip r:embed="rId5"/>
+          <a:blip r:embed="rId4"/>
           <a:stretch>
             <a:fillRect/>
           </a:stretch>
@@ -13469,7 +14411,7 @@
           <p:nvPr/>
         </p:nvPicPr>
         <p:blipFill>
-          <a:blip r:embed="rId6"/>
+          <a:blip r:embed="rId5"/>
           <a:stretch>
             <a:fillRect/>
           </a:stretch>
@@ -13493,7 +14435,7 @@
           <p:nvPr/>
         </p:nvPicPr>
         <p:blipFill>
-          <a:blip r:embed="rId7"/>
+          <a:blip r:embed="rId6"/>
           <a:stretch>
             <a:fillRect/>
           </a:stretch>
@@ -13599,7 +14541,7 @@
           <p:nvPr/>
         </p:nvPicPr>
         <p:blipFill>
-          <a:blip r:embed="rId8"/>
+          <a:blip r:embed="rId7"/>
           <a:stretch>
             <a:fillRect/>
           </a:stretch>
@@ -15615,30 +16557,6 @@
           </a:p>
         </p:txBody>
       </p:sp>
-      <p:pic>
-        <p:nvPicPr>
-          <p:cNvPr id="3" name="Picture 2"/>
-          <p:cNvPicPr>
-            <a:picLocks noChangeAspect="1"/>
-          </p:cNvPicPr>
-          <p:nvPr/>
-        </p:nvPicPr>
-        <p:blipFill>
-          <a:blip r:embed="rId3"/>
-          <a:stretch>
-            <a:fillRect/>
-          </a:stretch>
-        </p:blipFill>
-        <p:spPr>
-          <a:xfrm>
-            <a:off x="-5636757" y="-1515328"/>
-            <a:ext cx="1866900" cy="558800"/>
-          </a:xfrm>
-          <a:prstGeom prst="rect">
-            <a:avLst/>
-          </a:prstGeom>
-        </p:spPr>
-      </p:pic>
       <p:sp>
         <p:nvSpPr>
           <p:cNvPr id="8" name="Rectangle 5"/>
@@ -15763,7 +16681,7 @@
           <p:nvPr/>
         </p:nvPicPr>
         <p:blipFill>
-          <a:blip r:embed="rId4"/>
+          <a:blip r:embed="rId3"/>
           <a:stretch>
             <a:fillRect/>
           </a:stretch>
@@ -15848,7 +16766,7 @@
           <p:nvPr/>
         </p:nvPicPr>
         <p:blipFill>
-          <a:blip r:embed="rId5"/>
+          <a:blip r:embed="rId4"/>
           <a:stretch>
             <a:fillRect/>
           </a:stretch>
@@ -15872,7 +16790,7 @@
           <p:nvPr/>
         </p:nvPicPr>
         <p:blipFill>
-          <a:blip r:embed="rId6"/>
+          <a:blip r:embed="rId5"/>
           <a:stretch>
             <a:fillRect/>
           </a:stretch>
@@ -15957,7 +16875,7 @@
           <p:nvPr/>
         </p:nvPicPr>
         <p:blipFill rotWithShape="1">
-          <a:blip r:embed="rId4"/>
+          <a:blip r:embed="rId3"/>
           <a:srcRect l="46848"/>
           <a:stretch/>
         </p:blipFill>
@@ -15980,7 +16898,7 @@
           <p:nvPr/>
         </p:nvPicPr>
         <p:blipFill>
-          <a:blip r:embed="rId7"/>
+          <a:blip r:embed="rId6"/>
           <a:stretch>
             <a:fillRect/>
           </a:stretch>
@@ -16754,30 +17672,6 @@
           </a:p>
         </p:txBody>
       </p:sp>
-      <p:pic>
-        <p:nvPicPr>
-          <p:cNvPr id="3" name="Picture 2"/>
-          <p:cNvPicPr>
-            <a:picLocks noChangeAspect="1"/>
-          </p:cNvPicPr>
-          <p:nvPr/>
-        </p:nvPicPr>
-        <p:blipFill>
-          <a:blip r:embed="rId3"/>
-          <a:stretch>
-            <a:fillRect/>
-          </a:stretch>
-        </p:blipFill>
-        <p:spPr>
-          <a:xfrm>
-            <a:off x="-5636757" y="-1515328"/>
-            <a:ext cx="1866900" cy="558800"/>
-          </a:xfrm>
-          <a:prstGeom prst="rect">
-            <a:avLst/>
-          </a:prstGeom>
-        </p:spPr>
-      </p:pic>
       <p:sp>
         <p:nvSpPr>
           <p:cNvPr id="8" name="Rectangle 5"/>
@@ -17116,7 +18010,7 @@
           <p:nvPr/>
         </p:nvPicPr>
         <p:blipFill rotWithShape="1">
-          <a:blip r:embed="rId4"/>
+          <a:blip r:embed="rId3"/>
           <a:srcRect b="72690"/>
           <a:stretch/>
         </p:blipFill>
@@ -17139,7 +18033,7 @@
           <p:nvPr/>
         </p:nvPicPr>
         <p:blipFill rotWithShape="1">
-          <a:blip r:embed="rId4"/>
+          <a:blip r:embed="rId3"/>
           <a:srcRect t="30265" b="36125"/>
           <a:stretch/>
         </p:blipFill>
@@ -17162,7 +18056,7 @@
           <p:nvPr/>
         </p:nvPicPr>
         <p:blipFill rotWithShape="1">
-          <a:blip r:embed="rId4"/>
+          <a:blip r:embed="rId3"/>
           <a:srcRect t="63875"/>
           <a:stretch/>
         </p:blipFill>
@@ -17901,30 +18795,6 @@
           </a:p>
         </p:txBody>
       </p:sp>
-      <p:pic>
-        <p:nvPicPr>
-          <p:cNvPr id="3" name="Picture 2"/>
-          <p:cNvPicPr>
-            <a:picLocks noChangeAspect="1"/>
-          </p:cNvPicPr>
-          <p:nvPr/>
-        </p:nvPicPr>
-        <p:blipFill>
-          <a:blip r:embed="rId3"/>
-          <a:stretch>
-            <a:fillRect/>
-          </a:stretch>
-        </p:blipFill>
-        <p:spPr>
-          <a:xfrm>
-            <a:off x="-5636757" y="-1515328"/>
-            <a:ext cx="1866900" cy="558800"/>
-          </a:xfrm>
-          <a:prstGeom prst="rect">
-            <a:avLst/>
-          </a:prstGeom>
-        </p:spPr>
-      </p:pic>
       <p:sp>
         <p:nvSpPr>
           <p:cNvPr id="8" name="Rectangle 5"/>
@@ -18004,7 +18874,7 @@
           <p:nvPr/>
         </p:nvPicPr>
         <p:blipFill rotWithShape="1">
-          <a:blip r:embed="rId4"/>
+          <a:blip r:embed="rId3"/>
           <a:srcRect b="40725"/>
           <a:stretch/>
         </p:blipFill>
@@ -18027,7 +18897,7 @@
           <p:nvPr/>
         </p:nvPicPr>
         <p:blipFill rotWithShape="1">
-          <a:blip r:embed="rId4"/>
+          <a:blip r:embed="rId3"/>
           <a:srcRect t="59274" b="20239"/>
           <a:stretch/>
         </p:blipFill>
@@ -18050,7 +18920,7 @@
           <p:nvPr/>
         </p:nvPicPr>
         <p:blipFill rotWithShape="1">
-          <a:blip r:embed="rId4"/>
+          <a:blip r:embed="rId3"/>
           <a:srcRect t="79761"/>
           <a:stretch/>
         </p:blipFill>
@@ -19715,30 +20585,6 @@
           </a:p>
         </p:txBody>
       </p:sp>
-      <p:pic>
-        <p:nvPicPr>
-          <p:cNvPr id="3" name="Picture 2"/>
-          <p:cNvPicPr>
-            <a:picLocks noChangeAspect="1"/>
-          </p:cNvPicPr>
-          <p:nvPr/>
-        </p:nvPicPr>
-        <p:blipFill>
-          <a:blip r:embed="rId3"/>
-          <a:stretch>
-            <a:fillRect/>
-          </a:stretch>
-        </p:blipFill>
-        <p:spPr>
-          <a:xfrm>
-            <a:off x="-5636757" y="-1515328"/>
-            <a:ext cx="1866900" cy="558800"/>
-          </a:xfrm>
-          <a:prstGeom prst="rect">
-            <a:avLst/>
-          </a:prstGeom>
-        </p:spPr>
-      </p:pic>
       <p:sp>
         <p:nvSpPr>
           <p:cNvPr id="8" name="Rectangle 5"/>
@@ -20101,7 +20947,7 @@
           <p:nvPr/>
         </p:nvPicPr>
         <p:blipFill rotWithShape="1">
-          <a:blip r:embed="rId4"/>
+          <a:blip r:embed="rId3"/>
           <a:srcRect t="3791" r="3600"/>
           <a:stretch/>
         </p:blipFill>
@@ -20124,7 +20970,7 @@
           <p:nvPr/>
         </p:nvPicPr>
         <p:blipFill>
-          <a:blip r:embed="rId5"/>
+          <a:blip r:embed="rId4"/>
           <a:stretch>
             <a:fillRect/>
           </a:stretch>
@@ -20625,30 +21471,6 @@
           </a:p>
         </p:txBody>
       </p:sp>
-      <p:pic>
-        <p:nvPicPr>
-          <p:cNvPr id="3" name="Picture 2"/>
-          <p:cNvPicPr>
-            <a:picLocks noChangeAspect="1"/>
-          </p:cNvPicPr>
-          <p:nvPr/>
-        </p:nvPicPr>
-        <p:blipFill>
-          <a:blip r:embed="rId3"/>
-          <a:stretch>
-            <a:fillRect/>
-          </a:stretch>
-        </p:blipFill>
-        <p:spPr>
-          <a:xfrm>
-            <a:off x="-5636757" y="-1515328"/>
-            <a:ext cx="1866900" cy="558800"/>
-          </a:xfrm>
-          <a:prstGeom prst="rect">
-            <a:avLst/>
-          </a:prstGeom>
-        </p:spPr>
-      </p:pic>
       <p:sp>
         <p:nvSpPr>
           <p:cNvPr id="8" name="Rectangle 5"/>
@@ -20753,7 +21575,7 @@
           <p:nvPr/>
         </p:nvPicPr>
         <p:blipFill>
-          <a:blip r:embed="rId4"/>
+          <a:blip r:embed="rId3"/>
           <a:stretch>
             <a:fillRect/>
           </a:stretch>
@@ -20777,7 +21599,7 @@
           <p:nvPr/>
         </p:nvPicPr>
         <p:blipFill>
-          <a:blip r:embed="rId5"/>
+          <a:blip r:embed="rId4"/>
           <a:stretch>
             <a:fillRect/>
           </a:stretch>
@@ -20980,7 +21802,7 @@
           <p:nvPr/>
         </p:nvPicPr>
         <p:blipFill>
-          <a:blip r:embed="rId6"/>
+          <a:blip r:embed="rId5"/>
           <a:stretch>
             <a:fillRect/>
           </a:stretch>
@@ -21118,7 +21940,7 @@
           <p:nvPr/>
         </p:nvPicPr>
         <p:blipFill>
-          <a:blip r:embed="rId7"/>
+          <a:blip r:embed="rId6"/>
           <a:stretch>
             <a:fillRect/>
           </a:stretch>
@@ -22561,30 +23383,6 @@
           </a:p>
         </p:txBody>
       </p:sp>
-      <p:pic>
-        <p:nvPicPr>
-          <p:cNvPr id="3" name="Picture 2"/>
-          <p:cNvPicPr>
-            <a:picLocks noChangeAspect="1"/>
-          </p:cNvPicPr>
-          <p:nvPr/>
-        </p:nvPicPr>
-        <p:blipFill>
-          <a:blip r:embed="rId3"/>
-          <a:stretch>
-            <a:fillRect/>
-          </a:stretch>
-        </p:blipFill>
-        <p:spPr>
-          <a:xfrm>
-            <a:off x="-5636757" y="-1515328"/>
-            <a:ext cx="1866900" cy="558800"/>
-          </a:xfrm>
-          <a:prstGeom prst="rect">
-            <a:avLst/>
-          </a:prstGeom>
-        </p:spPr>
-      </p:pic>
       <p:sp>
         <p:nvSpPr>
           <p:cNvPr id="8" name="Rectangle 5"/>
@@ -23070,7 +23868,7 @@
           <p:nvPr/>
         </p:nvPicPr>
         <p:blipFill>
-          <a:blip r:embed="rId4"/>
+          <a:blip r:embed="rId3"/>
           <a:stretch>
             <a:fillRect/>
           </a:stretch>
@@ -23094,7 +23892,7 @@
           <p:nvPr/>
         </p:nvPicPr>
         <p:blipFill>
-          <a:blip r:embed="rId5"/>
+          <a:blip r:embed="rId4"/>
           <a:stretch>
             <a:fillRect/>
           </a:stretch>
@@ -23118,7 +23916,7 @@
           <p:nvPr/>
         </p:nvPicPr>
         <p:blipFill>
-          <a:blip r:embed="rId6"/>
+          <a:blip r:embed="rId5"/>
           <a:stretch>
             <a:fillRect/>
           </a:stretch>
@@ -23598,30 +24396,6 @@
           </a:p>
         </p:txBody>
       </p:sp>
-      <p:pic>
-        <p:nvPicPr>
-          <p:cNvPr id="3" name="Picture 2"/>
-          <p:cNvPicPr>
-            <a:picLocks noChangeAspect="1"/>
-          </p:cNvPicPr>
-          <p:nvPr/>
-        </p:nvPicPr>
-        <p:blipFill>
-          <a:blip r:embed="rId3"/>
-          <a:stretch>
-            <a:fillRect/>
-          </a:stretch>
-        </p:blipFill>
-        <p:spPr>
-          <a:xfrm>
-            <a:off x="-5636757" y="-1515328"/>
-            <a:ext cx="1866900" cy="558800"/>
-          </a:xfrm>
-          <a:prstGeom prst="rect">
-            <a:avLst/>
-          </a:prstGeom>
-        </p:spPr>
-      </p:pic>
       <p:sp>
         <p:nvSpPr>
           <p:cNvPr id="8" name="Rectangle 5"/>
@@ -23914,7 +24688,7 @@
           <p:nvPr/>
         </p:nvPicPr>
         <p:blipFill rotWithShape="1">
-          <a:blip r:embed="rId4"/>
+          <a:blip r:embed="rId3"/>
           <a:srcRect l="10343"/>
           <a:stretch/>
         </p:blipFill>
@@ -23937,7 +24711,7 @@
           <p:nvPr/>
         </p:nvPicPr>
         <p:blipFill>
-          <a:blip r:embed="rId5"/>
+          <a:blip r:embed="rId4"/>
           <a:stretch>
             <a:fillRect/>
           </a:stretch>
@@ -23961,7 +24735,7 @@
           <p:nvPr/>
         </p:nvPicPr>
         <p:blipFill>
-          <a:blip r:embed="rId6"/>
+          <a:blip r:embed="rId5"/>
           <a:stretch>
             <a:fillRect/>
           </a:stretch>
@@ -24535,30 +25309,6 @@
           </a:p>
         </p:txBody>
       </p:sp>
-      <p:pic>
-        <p:nvPicPr>
-          <p:cNvPr id="3" name="Picture 2"/>
-          <p:cNvPicPr>
-            <a:picLocks noChangeAspect="1"/>
-          </p:cNvPicPr>
-          <p:nvPr/>
-        </p:nvPicPr>
-        <p:blipFill>
-          <a:blip r:embed="rId3"/>
-          <a:stretch>
-            <a:fillRect/>
-          </a:stretch>
-        </p:blipFill>
-        <p:spPr>
-          <a:xfrm>
-            <a:off x="-5636757" y="-1515328"/>
-            <a:ext cx="1866900" cy="558800"/>
-          </a:xfrm>
-          <a:prstGeom prst="rect">
-            <a:avLst/>
-          </a:prstGeom>
-        </p:spPr>
-      </p:pic>
       <p:sp>
         <p:nvSpPr>
           <p:cNvPr id="8" name="Rectangle 5"/>
@@ -24674,7 +25424,7 @@
                 </a:solidFill>
                 <a:latin typeface="Times New Roman" pitchFamily="18" charset="0"/>
               </a:rPr>
-              <a:t> satisfy a Diophantine equation</a:t>
+              <a:t> satisfy a Diophantine equation:</a:t>
             </a:r>
           </a:p>
         </p:txBody>
@@ -24702,7 +25452,7 @@
             <p:nvPr/>
           </p:nvPicPr>
           <p:blipFill rotWithShape="1">
-            <a:blip r:embed="rId4"/>
+            <a:blip r:embed="rId3"/>
             <a:srcRect l="12531" t="79761" r="70399"/>
             <a:stretch/>
           </p:blipFill>
@@ -24760,7 +25510,7 @@
           <p:nvPr/>
         </p:nvPicPr>
         <p:blipFill>
-          <a:blip r:embed="rId5"/>
+          <a:blip r:embed="rId4"/>
           <a:stretch>
             <a:fillRect/>
           </a:stretch>
@@ -24778,6 +25528,30 @@
       <p:pic>
         <p:nvPicPr>
           <p:cNvPr id="15" name="Picture 14"/>
+          <p:cNvPicPr>
+            <a:picLocks noChangeAspect="1"/>
+          </p:cNvPicPr>
+          <p:nvPr/>
+        </p:nvPicPr>
+        <p:blipFill>
+          <a:blip r:embed="rId5"/>
+          <a:stretch>
+            <a:fillRect/>
+          </a:stretch>
+        </p:blipFill>
+        <p:spPr>
+          <a:xfrm>
+            <a:off x="2149078" y="3209759"/>
+            <a:ext cx="4940311" cy="3220453"/>
+          </a:xfrm>
+          <a:prstGeom prst="rect">
+            <a:avLst/>
+          </a:prstGeom>
+        </p:spPr>
+      </p:pic>
+      <p:pic>
+        <p:nvPicPr>
+          <p:cNvPr id="16" name="Picture 15"/>
           <p:cNvPicPr>
             <a:picLocks noChangeAspect="1"/>
           </p:cNvPicPr>
@@ -24791,8 +25565,8 @@
         </p:blipFill>
         <p:spPr>
           <a:xfrm>
-            <a:off x="2149078" y="3209759"/>
-            <a:ext cx="4940311" cy="3220453"/>
+            <a:off x="2149079" y="3209759"/>
+            <a:ext cx="4940310" cy="3173943"/>
           </a:xfrm>
           <a:prstGeom prst="rect">
             <a:avLst/>
@@ -24801,7 +25575,7 @@
       </p:pic>
       <p:pic>
         <p:nvPicPr>
-          <p:cNvPr id="16" name="Picture 15"/>
+          <p:cNvPr id="17" name="Picture 16"/>
           <p:cNvPicPr>
             <a:picLocks noChangeAspect="1"/>
           </p:cNvPicPr>
@@ -24815,17 +25589,176 @@
         </p:blipFill>
         <p:spPr>
           <a:xfrm>
-            <a:off x="2149079" y="3209759"/>
-            <a:ext cx="4940310" cy="3173943"/>
+            <a:off x="1988936" y="3177220"/>
+            <a:ext cx="5035404" cy="3157560"/>
           </a:xfrm>
           <a:prstGeom prst="rect">
             <a:avLst/>
           </a:prstGeom>
         </p:spPr>
       </p:pic>
+      <p:sp>
+        <p:nvSpPr>
+          <p:cNvPr id="18" name="TextBox 17"/>
+          <p:cNvSpPr txBox="1"/>
+          <p:nvPr/>
+        </p:nvSpPr>
+        <p:spPr>
+          <a:xfrm rot="16200000">
+            <a:off x="1015993" y="4518521"/>
+            <a:ext cx="1640593" cy="523220"/>
+          </a:xfrm>
+          <a:prstGeom prst="rect">
+            <a:avLst/>
+          </a:prstGeom>
+          <a:noFill/>
+        </p:spPr>
+        <p:txBody>
+          <a:bodyPr wrap="none" rtlCol="0">
+            <a:spAutoFit/>
+          </a:bodyPr>
+          <a:lstStyle/>
+          <a:p>
+            <a:r>
+              <a:rPr lang="en-US" sz="2800" dirty="0">
+                <a:latin typeface="Times New Roman"/>
+                <a:cs typeface="Times New Roman"/>
+              </a:rPr>
+              <a:t># of states</a:t>
+            </a:r>
+          </a:p>
+        </p:txBody>
+      </p:sp>
+      <p:sp>
+        <p:nvSpPr>
+          <p:cNvPr id="20" name="TextBox 19"/>
+          <p:cNvSpPr txBox="1"/>
+          <p:nvPr/>
+        </p:nvSpPr>
+        <p:spPr>
+          <a:xfrm>
+            <a:off x="4092357" y="6334780"/>
+            <a:ext cx="1215071" cy="523220"/>
+          </a:xfrm>
+          <a:prstGeom prst="rect">
+            <a:avLst/>
+          </a:prstGeom>
+          <a:noFill/>
+        </p:spPr>
+        <p:txBody>
+          <a:bodyPr wrap="none" rtlCol="0">
+            <a:spAutoFit/>
+          </a:bodyPr>
+          <a:lstStyle/>
+          <a:p>
+            <a:r>
+              <a:rPr lang="en-US" sz="2800" dirty="0">
+                <a:latin typeface="Times New Roman"/>
+                <a:cs typeface="Times New Roman"/>
+              </a:rPr>
+              <a:t>Energy</a:t>
+            </a:r>
+          </a:p>
+        </p:txBody>
+      </p:sp>
+      <p:sp>
+        <p:nvSpPr>
+          <p:cNvPr id="9" name="Right Arrow 8">
+            <a:extLst>
+              <a:ext uri="{FF2B5EF4-FFF2-40B4-BE49-F238E27FC236}">
+                <a16:creationId xmlns:a16="http://schemas.microsoft.com/office/drawing/2014/main" id="{BF2C5BDB-C291-CAEE-FC6E-4CE272926C05}"/>
+              </a:ext>
+            </a:extLst>
+          </p:cNvPr>
+          <p:cNvSpPr/>
+          <p:nvPr/>
+        </p:nvSpPr>
+        <p:spPr>
+          <a:xfrm>
+            <a:off x="6740818" y="4842559"/>
+            <a:ext cx="562644" cy="266428"/>
+          </a:xfrm>
+          <a:prstGeom prst="rightArrow">
+            <a:avLst/>
+          </a:prstGeom>
+        </p:spPr>
+        <p:style>
+          <a:lnRef idx="1">
+            <a:schemeClr val="accent1"/>
+          </a:lnRef>
+          <a:fillRef idx="3">
+            <a:schemeClr val="accent1"/>
+          </a:fillRef>
+          <a:effectRef idx="2">
+            <a:schemeClr val="accent1"/>
+          </a:effectRef>
+          <a:fontRef idx="minor">
+            <a:schemeClr val="lt1"/>
+          </a:fontRef>
+        </p:style>
+        <p:txBody>
+          <a:bodyPr rtlCol="0" anchor="ctr"/>
+          <a:lstStyle/>
+          <a:p>
+            <a:pPr algn="ctr"/>
+            <a:endParaRPr lang="en-US"/>
+          </a:p>
+        </p:txBody>
+      </p:sp>
+      <p:sp>
+        <p:nvSpPr>
+          <p:cNvPr id="3" name="TextBox 2">
+            <a:extLst>
+              <a:ext uri="{FF2B5EF4-FFF2-40B4-BE49-F238E27FC236}">
+                <a16:creationId xmlns:a16="http://schemas.microsoft.com/office/drawing/2014/main" id="{59785E25-7B03-9C5E-2276-6E6D24F32A84}"/>
+              </a:ext>
+            </a:extLst>
+          </p:cNvPr>
+          <p:cNvSpPr txBox="1"/>
+          <p:nvPr/>
+        </p:nvSpPr>
+        <p:spPr>
+          <a:xfrm>
+            <a:off x="7291887" y="4698774"/>
+            <a:ext cx="1662459" cy="553998"/>
+          </a:xfrm>
+          <a:prstGeom prst="rect">
+            <a:avLst/>
+          </a:prstGeom>
+          <a:noFill/>
+        </p:spPr>
+        <p:txBody>
+          <a:bodyPr wrap="square" rtlCol="0">
+            <a:spAutoFit/>
+          </a:bodyPr>
+          <a:lstStyle/>
+          <a:p>
+            <a:r>
+              <a:rPr lang="en-US" sz="1500" dirty="0">
+                <a:latin typeface="Times New Roman" panose="02020603050405020304" pitchFamily="18" charset="0"/>
+                <a:cs typeface="Times New Roman" panose="02020603050405020304" pitchFamily="18" charset="0"/>
+              </a:rPr>
+              <a:t>Concept called the </a:t>
+            </a:r>
+            <a:r>
+              <a:rPr lang="en-US" sz="1500" b="1" dirty="0">
+                <a:latin typeface="Times New Roman" panose="02020603050405020304" pitchFamily="18" charset="0"/>
+                <a:cs typeface="Times New Roman" panose="02020603050405020304" pitchFamily="18" charset="0"/>
+              </a:rPr>
+              <a:t>density of states</a:t>
+            </a:r>
+          </a:p>
+        </p:txBody>
+      </p:sp>
       <p:pic>
         <p:nvPicPr>
-          <p:cNvPr id="17" name="Picture 16"/>
+          <p:cNvPr id="7" name="Picture 6">
+            <a:extLst>
+              <a:ext uri="{FF2B5EF4-FFF2-40B4-BE49-F238E27FC236}">
+                <a16:creationId xmlns:a16="http://schemas.microsoft.com/office/drawing/2014/main" id="{6FD6CFD6-33E1-F464-7281-B82D35D8789B}"/>
+              </a:ext>
+            </a:extLst>
+          </p:cNvPr>
           <p:cNvPicPr>
             <a:picLocks noChangeAspect="1"/>
           </p:cNvPicPr>
@@ -24839,78 +25772,14 @@
         </p:blipFill>
         <p:spPr>
           <a:xfrm>
-            <a:off x="1988936" y="3177220"/>
-            <a:ext cx="5035404" cy="3157560"/>
+            <a:off x="8727313" y="4993988"/>
+            <a:ext cx="399327" cy="205210"/>
           </a:xfrm>
           <a:prstGeom prst="rect">
             <a:avLst/>
           </a:prstGeom>
         </p:spPr>
       </p:pic>
-      <p:sp>
-        <p:nvSpPr>
-          <p:cNvPr id="18" name="TextBox 17"/>
-          <p:cNvSpPr txBox="1"/>
-          <p:nvPr/>
-        </p:nvSpPr>
-        <p:spPr>
-          <a:xfrm rot="16200000">
-            <a:off x="1015993" y="4518521"/>
-            <a:ext cx="1640593" cy="523220"/>
-          </a:xfrm>
-          <a:prstGeom prst="rect">
-            <a:avLst/>
-          </a:prstGeom>
-          <a:noFill/>
-        </p:spPr>
-        <p:txBody>
-          <a:bodyPr wrap="none" rtlCol="0">
-            <a:spAutoFit/>
-          </a:bodyPr>
-          <a:lstStyle/>
-          <a:p>
-            <a:r>
-              <a:rPr lang="en-US" sz="2800" dirty="0">
-                <a:latin typeface="Times New Roman"/>
-                <a:cs typeface="Times New Roman"/>
-              </a:rPr>
-              <a:t># of states</a:t>
-            </a:r>
-          </a:p>
-        </p:txBody>
-      </p:sp>
-      <p:sp>
-        <p:nvSpPr>
-          <p:cNvPr id="20" name="TextBox 19"/>
-          <p:cNvSpPr txBox="1"/>
-          <p:nvPr/>
-        </p:nvSpPr>
-        <p:spPr>
-          <a:xfrm>
-            <a:off x="4092357" y="6334780"/>
-            <a:ext cx="1215071" cy="523220"/>
-          </a:xfrm>
-          <a:prstGeom prst="rect">
-            <a:avLst/>
-          </a:prstGeom>
-          <a:noFill/>
-        </p:spPr>
-        <p:txBody>
-          <a:bodyPr wrap="none" rtlCol="0">
-            <a:spAutoFit/>
-          </a:bodyPr>
-          <a:lstStyle/>
-          <a:p>
-            <a:r>
-              <a:rPr lang="en-US" sz="2800" dirty="0">
-                <a:latin typeface="Times New Roman"/>
-                <a:cs typeface="Times New Roman"/>
-              </a:rPr>
-              <a:t>Energy</a:t>
-            </a:r>
-          </a:p>
-        </p:txBody>
-      </p:sp>
     </p:spTree>
     <p:extLst>
       <p:ext uri="{BB962C8B-B14F-4D97-AF65-F5344CB8AC3E}">
@@ -25339,6 +26208,234 @@
                             </p:childTnLst>
                           </p:cTn>
                         </p:par>
+                        <p:par>
+                          <p:cTn id="33" fill="hold">
+                            <p:stCondLst>
+                              <p:cond delay="500"/>
+                            </p:stCondLst>
+                            <p:childTnLst>
+                              <p:par>
+                                <p:cTn id="34" presetID="2" presetClass="entr" presetSubtype="4" fill="hold" grpId="0" nodeType="afterEffect">
+                                  <p:stCondLst>
+                                    <p:cond delay="0"/>
+                                  </p:stCondLst>
+                                  <p:childTnLst>
+                                    <p:set>
+                                      <p:cBhvr>
+                                        <p:cTn id="35" dur="1" fill="hold">
+                                          <p:stCondLst>
+                                            <p:cond delay="0"/>
+                                          </p:stCondLst>
+                                        </p:cTn>
+                                        <p:tgtEl>
+                                          <p:spTgt spid="9"/>
+                                        </p:tgtEl>
+                                        <p:attrNameLst>
+                                          <p:attrName>style.visibility</p:attrName>
+                                        </p:attrNameLst>
+                                      </p:cBhvr>
+                                      <p:to>
+                                        <p:strVal val="visible"/>
+                                      </p:to>
+                                    </p:set>
+                                    <p:anim calcmode="lin" valueType="num">
+                                      <p:cBhvr additive="base">
+                                        <p:cTn id="36" dur="500" fill="hold"/>
+                                        <p:tgtEl>
+                                          <p:spTgt spid="9"/>
+                                        </p:tgtEl>
+                                        <p:attrNameLst>
+                                          <p:attrName>ppt_x</p:attrName>
+                                        </p:attrNameLst>
+                                      </p:cBhvr>
+                                      <p:tavLst>
+                                        <p:tav tm="0">
+                                          <p:val>
+                                            <p:strVal val="#ppt_x"/>
+                                          </p:val>
+                                        </p:tav>
+                                        <p:tav tm="100000">
+                                          <p:val>
+                                            <p:strVal val="#ppt_x"/>
+                                          </p:val>
+                                        </p:tav>
+                                      </p:tavLst>
+                                    </p:anim>
+                                    <p:anim calcmode="lin" valueType="num">
+                                      <p:cBhvr additive="base">
+                                        <p:cTn id="37" dur="500" fill="hold"/>
+                                        <p:tgtEl>
+                                          <p:spTgt spid="9"/>
+                                        </p:tgtEl>
+                                        <p:attrNameLst>
+                                          <p:attrName>ppt_y</p:attrName>
+                                        </p:attrNameLst>
+                                      </p:cBhvr>
+                                      <p:tavLst>
+                                        <p:tav tm="0">
+                                          <p:val>
+                                            <p:strVal val="1+#ppt_h/2"/>
+                                          </p:val>
+                                        </p:tav>
+                                        <p:tav tm="100000">
+                                          <p:val>
+                                            <p:strVal val="#ppt_y"/>
+                                          </p:val>
+                                        </p:tav>
+                                      </p:tavLst>
+                                    </p:anim>
+                                  </p:childTnLst>
+                                </p:cTn>
+                              </p:par>
+                              <p:par>
+                                <p:cTn id="38" presetID="2" presetClass="entr" presetSubtype="4" fill="hold" grpId="0" nodeType="withEffect">
+                                  <p:stCondLst>
+                                    <p:cond delay="0"/>
+                                  </p:stCondLst>
+                                  <p:childTnLst>
+                                    <p:set>
+                                      <p:cBhvr>
+                                        <p:cTn id="39" dur="1" fill="hold">
+                                          <p:stCondLst>
+                                            <p:cond delay="0"/>
+                                          </p:stCondLst>
+                                        </p:cTn>
+                                        <p:tgtEl>
+                                          <p:spTgt spid="3"/>
+                                        </p:tgtEl>
+                                        <p:attrNameLst>
+                                          <p:attrName>style.visibility</p:attrName>
+                                        </p:attrNameLst>
+                                      </p:cBhvr>
+                                      <p:to>
+                                        <p:strVal val="visible"/>
+                                      </p:to>
+                                    </p:set>
+                                    <p:anim calcmode="lin" valueType="num">
+                                      <p:cBhvr additive="base">
+                                        <p:cTn id="40" dur="500" fill="hold"/>
+                                        <p:tgtEl>
+                                          <p:spTgt spid="3"/>
+                                        </p:tgtEl>
+                                        <p:attrNameLst>
+                                          <p:attrName>ppt_x</p:attrName>
+                                        </p:attrNameLst>
+                                      </p:cBhvr>
+                                      <p:tavLst>
+                                        <p:tav tm="0">
+                                          <p:val>
+                                            <p:strVal val="#ppt_x"/>
+                                          </p:val>
+                                        </p:tav>
+                                        <p:tav tm="100000">
+                                          <p:val>
+                                            <p:strVal val="#ppt_x"/>
+                                          </p:val>
+                                        </p:tav>
+                                      </p:tavLst>
+                                    </p:anim>
+                                    <p:anim calcmode="lin" valueType="num">
+                                      <p:cBhvr additive="base">
+                                        <p:cTn id="41" dur="500" fill="hold"/>
+                                        <p:tgtEl>
+                                          <p:spTgt spid="3"/>
+                                        </p:tgtEl>
+                                        <p:attrNameLst>
+                                          <p:attrName>ppt_y</p:attrName>
+                                        </p:attrNameLst>
+                                      </p:cBhvr>
+                                      <p:tavLst>
+                                        <p:tav tm="0">
+                                          <p:val>
+                                            <p:strVal val="1+#ppt_h/2"/>
+                                          </p:val>
+                                        </p:tav>
+                                        <p:tav tm="100000">
+                                          <p:val>
+                                            <p:strVal val="#ppt_y"/>
+                                          </p:val>
+                                        </p:tav>
+                                      </p:tavLst>
+                                    </p:anim>
+                                  </p:childTnLst>
+                                </p:cTn>
+                              </p:par>
+                              <p:par>
+                                <p:cTn id="42" presetID="2" presetClass="entr" presetSubtype="4" fill="hold" nodeType="withEffect">
+                                  <p:stCondLst>
+                                    <p:cond delay="0"/>
+                                  </p:stCondLst>
+                                  <p:childTnLst>
+                                    <p:set>
+                                      <p:cBhvr>
+                                        <p:cTn id="43" dur="1" fill="hold">
+                                          <p:stCondLst>
+                                            <p:cond delay="0"/>
+                                          </p:stCondLst>
+                                        </p:cTn>
+                                        <p:tgtEl>
+                                          <p:spTgt spid="7"/>
+                                        </p:tgtEl>
+                                        <p:attrNameLst>
+                                          <p:attrName>style.visibility</p:attrName>
+                                        </p:attrNameLst>
+                                      </p:cBhvr>
+                                      <p:to>
+                                        <p:strVal val="visible"/>
+                                      </p:to>
+                                    </p:set>
+                                    <p:anim calcmode="lin" valueType="num">
+                                      <p:cBhvr additive="base">
+                                        <p:cTn id="44" dur="500" fill="hold"/>
+                                        <p:tgtEl>
+                                          <p:spTgt spid="7"/>
+                                        </p:tgtEl>
+                                        <p:attrNameLst>
+                                          <p:attrName>ppt_x</p:attrName>
+                                        </p:attrNameLst>
+                                      </p:cBhvr>
+                                      <p:tavLst>
+                                        <p:tav tm="0">
+                                          <p:val>
+                                            <p:strVal val="#ppt_x"/>
+                                          </p:val>
+                                        </p:tav>
+                                        <p:tav tm="100000">
+                                          <p:val>
+                                            <p:strVal val="#ppt_x"/>
+                                          </p:val>
+                                        </p:tav>
+                                      </p:tavLst>
+                                    </p:anim>
+                                    <p:anim calcmode="lin" valueType="num">
+                                      <p:cBhvr additive="base">
+                                        <p:cTn id="45" dur="500" fill="hold"/>
+                                        <p:tgtEl>
+                                          <p:spTgt spid="7"/>
+                                        </p:tgtEl>
+                                        <p:attrNameLst>
+                                          <p:attrName>ppt_y</p:attrName>
+                                        </p:attrNameLst>
+                                      </p:cBhvr>
+                                      <p:tavLst>
+                                        <p:tav tm="0">
+                                          <p:val>
+                                            <p:strVal val="1+#ppt_h/2"/>
+                                          </p:val>
+                                        </p:tav>
+                                        <p:tav tm="100000">
+                                          <p:val>
+                                            <p:strVal val="#ppt_y"/>
+                                          </p:val>
+                                        </p:tav>
+                                      </p:tavLst>
+                                    </p:anim>
+                                  </p:childTnLst>
+                                </p:cTn>
+                              </p:par>
+                            </p:childTnLst>
+                          </p:cTn>
+                        </p:par>
                       </p:childTnLst>
                     </p:cTn>
                   </p:par>
@@ -25366,6 +26463,8 @@
     <p:bldLst>
       <p:bldP spid="18" grpId="0"/>
       <p:bldP spid="20" grpId="0"/>
+      <p:bldP spid="9" grpId="0" animBg="1"/>
+      <p:bldP spid="3" grpId="0"/>
     </p:bldLst>
   </p:timing>
 </p:sld>
@@ -31076,30 +32175,6 @@
           </a:p>
         </p:txBody>
       </p:sp>
-      <p:pic>
-        <p:nvPicPr>
-          <p:cNvPr id="3" name="Picture 2"/>
-          <p:cNvPicPr>
-            <a:picLocks noChangeAspect="1"/>
-          </p:cNvPicPr>
-          <p:nvPr/>
-        </p:nvPicPr>
-        <p:blipFill>
-          <a:blip r:embed="rId3"/>
-          <a:stretch>
-            <a:fillRect/>
-          </a:stretch>
-        </p:blipFill>
-        <p:spPr>
-          <a:xfrm>
-            <a:off x="-5636757" y="-1515328"/>
-            <a:ext cx="1866900" cy="558800"/>
-          </a:xfrm>
-          <a:prstGeom prst="rect">
-            <a:avLst/>
-          </a:prstGeom>
-        </p:spPr>
-      </p:pic>
       <p:sp>
         <p:nvSpPr>
           <p:cNvPr id="7" name="Rectangle 6"/>
@@ -31543,7 +32618,7 @@
                                           </p:stCondLst>
                                         </p:cTn>
                                         <p:tgtEl>
-                                          <p:spTgt spid="3"/>
+                                          <p:spTgt spid="15"/>
                                         </p:tgtEl>
                                         <p:attrNameLst>
                                           <p:attrName>style.visibility</p:attrName>
@@ -31557,7 +32632,7 @@
                                       <p:cBhvr additive="base">
                                         <p:cTn id="7" dur="500" fill="hold"/>
                                         <p:tgtEl>
-                                          <p:spTgt spid="3"/>
+                                          <p:spTgt spid="15"/>
                                         </p:tgtEl>
                                         <p:attrNameLst>
                                           <p:attrName>ppt_x</p:attrName>
@@ -31580,7 +32655,7 @@
                                       <p:cBhvr additive="base">
                                         <p:cTn id="8" dur="500" fill="hold"/>
                                         <p:tgtEl>
-                                          <p:spTgt spid="3"/>
+                                          <p:spTgt spid="15"/>
                                         </p:tgtEl>
                                         <p:attrNameLst>
                                           <p:attrName>ppt_y</p:attrName>
@@ -31603,7 +32678,7 @@
                                 </p:cTn>
                               </p:par>
                               <p:par>
-                                <p:cTn id="9" presetID="2" presetClass="entr" presetSubtype="4" fill="hold" nodeType="withEffect">
+                                <p:cTn id="9" presetID="2" presetClass="entr" presetSubtype="4" fill="hold" grpId="0" nodeType="withEffect">
                                   <p:stCondLst>
                                     <p:cond delay="0"/>
                                   </p:stCondLst>
@@ -31616,7 +32691,7 @@
                                           </p:stCondLst>
                                         </p:cTn>
                                         <p:tgtEl>
-                                          <p:spTgt spid="15"/>
+                                          <p:spTgt spid="18"/>
                                         </p:tgtEl>
                                         <p:attrNameLst>
                                           <p:attrName>style.visibility</p:attrName>
@@ -31630,7 +32705,7 @@
                                       <p:cBhvr additive="base">
                                         <p:cTn id="11" dur="500" fill="hold"/>
                                         <p:tgtEl>
-                                          <p:spTgt spid="15"/>
+                                          <p:spTgt spid="18"/>
                                         </p:tgtEl>
                                         <p:attrNameLst>
                                           <p:attrName>ppt_x</p:attrName>
@@ -31652,79 +32727,6 @@
                                     <p:anim calcmode="lin" valueType="num">
                                       <p:cBhvr additive="base">
                                         <p:cTn id="12" dur="500" fill="hold"/>
-                                        <p:tgtEl>
-                                          <p:spTgt spid="15"/>
-                                        </p:tgtEl>
-                                        <p:attrNameLst>
-                                          <p:attrName>ppt_y</p:attrName>
-                                        </p:attrNameLst>
-                                      </p:cBhvr>
-                                      <p:tavLst>
-                                        <p:tav tm="0">
-                                          <p:val>
-                                            <p:strVal val="1+#ppt_h/2"/>
-                                          </p:val>
-                                        </p:tav>
-                                        <p:tav tm="100000">
-                                          <p:val>
-                                            <p:strVal val="#ppt_y"/>
-                                          </p:val>
-                                        </p:tav>
-                                      </p:tavLst>
-                                    </p:anim>
-                                  </p:childTnLst>
-                                </p:cTn>
-                              </p:par>
-                              <p:par>
-                                <p:cTn id="13" presetID="2" presetClass="entr" presetSubtype="4" fill="hold" grpId="0" nodeType="withEffect">
-                                  <p:stCondLst>
-                                    <p:cond delay="0"/>
-                                  </p:stCondLst>
-                                  <p:childTnLst>
-                                    <p:set>
-                                      <p:cBhvr>
-                                        <p:cTn id="14" dur="1" fill="hold">
-                                          <p:stCondLst>
-                                            <p:cond delay="0"/>
-                                          </p:stCondLst>
-                                        </p:cTn>
-                                        <p:tgtEl>
-                                          <p:spTgt spid="18"/>
-                                        </p:tgtEl>
-                                        <p:attrNameLst>
-                                          <p:attrName>style.visibility</p:attrName>
-                                        </p:attrNameLst>
-                                      </p:cBhvr>
-                                      <p:to>
-                                        <p:strVal val="visible"/>
-                                      </p:to>
-                                    </p:set>
-                                    <p:anim calcmode="lin" valueType="num">
-                                      <p:cBhvr additive="base">
-                                        <p:cTn id="15" dur="500" fill="hold"/>
-                                        <p:tgtEl>
-                                          <p:spTgt spid="18"/>
-                                        </p:tgtEl>
-                                        <p:attrNameLst>
-                                          <p:attrName>ppt_x</p:attrName>
-                                        </p:attrNameLst>
-                                      </p:cBhvr>
-                                      <p:tavLst>
-                                        <p:tav tm="0">
-                                          <p:val>
-                                            <p:strVal val="#ppt_x"/>
-                                          </p:val>
-                                        </p:tav>
-                                        <p:tav tm="100000">
-                                          <p:val>
-                                            <p:strVal val="#ppt_x"/>
-                                          </p:val>
-                                        </p:tav>
-                                      </p:tavLst>
-                                    </p:anim>
-                                    <p:anim calcmode="lin" valueType="num">
-                                      <p:cBhvr additive="base">
-                                        <p:cTn id="16" dur="500" fill="hold"/>
                                         <p:tgtEl>
                                           <p:spTgt spid="18"/>
                                         </p:tgtEl>
@@ -31755,26 +32757,26 @@
                     </p:cTn>
                   </p:par>
                   <p:par>
-                    <p:cTn id="17" fill="hold">
+                    <p:cTn id="13" fill="hold">
                       <p:stCondLst>
                         <p:cond delay="indefinite"/>
                       </p:stCondLst>
                       <p:childTnLst>
                         <p:par>
-                          <p:cTn id="18" fill="hold">
+                          <p:cTn id="14" fill="hold">
                             <p:stCondLst>
                               <p:cond delay="0"/>
                             </p:stCondLst>
                             <p:childTnLst>
                               <p:par>
-                                <p:cTn id="19" presetID="2" presetClass="entr" presetSubtype="4" fill="hold" grpId="0" nodeType="clickEffect">
+                                <p:cTn id="15" presetID="2" presetClass="entr" presetSubtype="4" fill="hold" grpId="0" nodeType="clickEffect">
                                   <p:stCondLst>
                                     <p:cond delay="0"/>
                                   </p:stCondLst>
                                   <p:childTnLst>
                                     <p:set>
                                       <p:cBhvr>
-                                        <p:cTn id="20" dur="1" fill="hold">
+                                        <p:cTn id="16" dur="1" fill="hold">
                                           <p:stCondLst>
                                             <p:cond delay="0"/>
                                           </p:stCondLst>
@@ -31792,7 +32794,7 @@
                                     </p:set>
                                     <p:anim calcmode="lin" valueType="num">
                                       <p:cBhvr additive="base">
-                                        <p:cTn id="21" dur="500" fill="hold"/>
+                                        <p:cTn id="17" dur="500" fill="hold"/>
                                         <p:tgtEl>
                                           <p:spTgt spid="7"/>
                                         </p:tgtEl>
@@ -31815,7 +32817,7 @@
                                     </p:anim>
                                     <p:anim calcmode="lin" valueType="num">
                                       <p:cBhvr additive="base">
-                                        <p:cTn id="22" dur="500" fill="hold"/>
+                                        <p:cTn id="18" dur="500" fill="hold"/>
                                         <p:tgtEl>
                                           <p:spTgt spid="7"/>
                                         </p:tgtEl>
@@ -31846,26 +32848,26 @@
                     </p:cTn>
                   </p:par>
                   <p:par>
-                    <p:cTn id="23" fill="hold">
+                    <p:cTn id="19" fill="hold">
                       <p:stCondLst>
                         <p:cond delay="indefinite"/>
                       </p:stCondLst>
                       <p:childTnLst>
                         <p:par>
-                          <p:cTn id="24" fill="hold">
+                          <p:cTn id="20" fill="hold">
                             <p:stCondLst>
                               <p:cond delay="0"/>
                             </p:stCondLst>
                             <p:childTnLst>
                               <p:par>
-                                <p:cTn id="25" presetID="2" presetClass="entr" presetSubtype="4" fill="hold" grpId="0" nodeType="clickEffect">
+                                <p:cTn id="21" presetID="2" presetClass="entr" presetSubtype="4" fill="hold" grpId="0" nodeType="clickEffect">
                                   <p:stCondLst>
                                     <p:cond delay="0"/>
                                   </p:stCondLst>
                                   <p:childTnLst>
                                     <p:set>
                                       <p:cBhvr>
-                                        <p:cTn id="26" dur="1" fill="hold">
+                                        <p:cTn id="22" dur="1" fill="hold">
                                           <p:stCondLst>
                                             <p:cond delay="0"/>
                                           </p:stCondLst>
@@ -31883,7 +32885,7 @@
                                     </p:set>
                                     <p:anim calcmode="lin" valueType="num">
                                       <p:cBhvr additive="base">
-                                        <p:cTn id="27" dur="500" fill="hold"/>
+                                        <p:cTn id="23" dur="500" fill="hold"/>
                                         <p:tgtEl>
                                           <p:spTgt spid="20"/>
                                         </p:tgtEl>
@@ -31906,7 +32908,7 @@
                                     </p:anim>
                                     <p:anim calcmode="lin" valueType="num">
                                       <p:cBhvr additive="base">
-                                        <p:cTn id="28" dur="500" fill="hold"/>
+                                        <p:cTn id="24" dur="500" fill="hold"/>
                                         <p:tgtEl>
                                           <p:spTgt spid="20"/>
                                         </p:tgtEl>
@@ -31937,19 +32939,92 @@
                     </p:cTn>
                   </p:par>
                   <p:par>
-                    <p:cTn id="29" fill="hold">
+                    <p:cTn id="25" fill="hold">
                       <p:stCondLst>
                         <p:cond delay="indefinite"/>
                       </p:stCondLst>
                       <p:childTnLst>
                         <p:par>
-                          <p:cTn id="30" fill="hold">
+                          <p:cTn id="26" fill="hold">
                             <p:stCondLst>
                               <p:cond delay="0"/>
                             </p:stCondLst>
                             <p:childTnLst>
                               <p:par>
-                                <p:cTn id="31" presetID="2" presetClass="entr" presetSubtype="4" fill="hold" grpId="0" nodeType="clickEffect">
+                                <p:cTn id="27" presetID="2" presetClass="entr" presetSubtype="4" fill="hold" grpId="0" nodeType="clickEffect">
+                                  <p:stCondLst>
+                                    <p:cond delay="0"/>
+                                  </p:stCondLst>
+                                  <p:childTnLst>
+                                    <p:set>
+                                      <p:cBhvr>
+                                        <p:cTn id="28" dur="1" fill="hold">
+                                          <p:stCondLst>
+                                            <p:cond delay="0"/>
+                                          </p:stCondLst>
+                                        </p:cTn>
+                                        <p:tgtEl>
+                                          <p:spTgt spid="21"/>
+                                        </p:tgtEl>
+                                        <p:attrNameLst>
+                                          <p:attrName>style.visibility</p:attrName>
+                                        </p:attrNameLst>
+                                      </p:cBhvr>
+                                      <p:to>
+                                        <p:strVal val="visible"/>
+                                      </p:to>
+                                    </p:set>
+                                    <p:anim calcmode="lin" valueType="num">
+                                      <p:cBhvr additive="base">
+                                        <p:cTn id="29" dur="500" fill="hold"/>
+                                        <p:tgtEl>
+                                          <p:spTgt spid="21"/>
+                                        </p:tgtEl>
+                                        <p:attrNameLst>
+                                          <p:attrName>ppt_x</p:attrName>
+                                        </p:attrNameLst>
+                                      </p:cBhvr>
+                                      <p:tavLst>
+                                        <p:tav tm="0">
+                                          <p:val>
+                                            <p:strVal val="#ppt_x"/>
+                                          </p:val>
+                                        </p:tav>
+                                        <p:tav tm="100000">
+                                          <p:val>
+                                            <p:strVal val="#ppt_x"/>
+                                          </p:val>
+                                        </p:tav>
+                                      </p:tavLst>
+                                    </p:anim>
+                                    <p:anim calcmode="lin" valueType="num">
+                                      <p:cBhvr additive="base">
+                                        <p:cTn id="30" dur="500" fill="hold"/>
+                                        <p:tgtEl>
+                                          <p:spTgt spid="21"/>
+                                        </p:tgtEl>
+                                        <p:attrNameLst>
+                                          <p:attrName>ppt_y</p:attrName>
+                                        </p:attrNameLst>
+                                      </p:cBhvr>
+                                      <p:tavLst>
+                                        <p:tav tm="0">
+                                          <p:val>
+                                            <p:strVal val="1+#ppt_h/2"/>
+                                          </p:val>
+                                        </p:tav>
+                                        <p:tav tm="100000">
+                                          <p:val>
+                                            <p:strVal val="#ppt_y"/>
+                                          </p:val>
+                                        </p:tav>
+                                      </p:tavLst>
+                                    </p:anim>
+                                  </p:childTnLst>
+                                </p:cTn>
+                              </p:par>
+                              <p:par>
+                                <p:cTn id="31" presetID="2" presetClass="entr" presetSubtype="9" fill="hold" nodeType="withEffect">
                                   <p:stCondLst>
                                     <p:cond delay="0"/>
                                   </p:stCondLst>
@@ -31962,7 +33037,7 @@
                                           </p:stCondLst>
                                         </p:cTn>
                                         <p:tgtEl>
-                                          <p:spTgt spid="21"/>
+                                          <p:spTgt spid="14"/>
                                         </p:tgtEl>
                                         <p:attrNameLst>
                                           <p:attrName>style.visibility</p:attrName>
@@ -31976,7 +33051,7 @@
                                       <p:cBhvr additive="base">
                                         <p:cTn id="33" dur="500" fill="hold"/>
                                         <p:tgtEl>
-                                          <p:spTgt spid="21"/>
+                                          <p:spTgt spid="14"/>
                                         </p:tgtEl>
                                         <p:attrNameLst>
                                           <p:attrName>ppt_x</p:attrName>
@@ -31985,7 +33060,7 @@
                                       <p:tavLst>
                                         <p:tav tm="0">
                                           <p:val>
-                                            <p:strVal val="#ppt_x"/>
+                                            <p:strVal val="0-#ppt_w/2"/>
                                           </p:val>
                                         </p:tav>
                                         <p:tav tm="100000">
@@ -31999,7 +33074,7 @@
                                       <p:cBhvr additive="base">
                                         <p:cTn id="34" dur="500" fill="hold"/>
                                         <p:tgtEl>
-                                          <p:spTgt spid="21"/>
+                                          <p:spTgt spid="14"/>
                                         </p:tgtEl>
                                         <p:attrNameLst>
                                           <p:attrName>ppt_y</p:attrName>
@@ -32008,7 +33083,7 @@
                                       <p:tavLst>
                                         <p:tav tm="0">
                                           <p:val>
-                                            <p:strVal val="1+#ppt_h/2"/>
+                                            <p:strVal val="0-#ppt_h/2"/>
                                           </p:val>
                                         </p:tav>
                                         <p:tav tm="100000">
@@ -32022,7 +33097,7 @@
                                 </p:cTn>
                               </p:par>
                               <p:par>
-                                <p:cTn id="35" presetID="2" presetClass="entr" presetSubtype="9" fill="hold" nodeType="withEffect">
+                                <p:cTn id="35" presetID="2" presetClass="entr" presetSubtype="6" fill="hold" grpId="0" nodeType="withEffect">
                                   <p:stCondLst>
                                     <p:cond delay="0"/>
                                   </p:stCondLst>
@@ -32035,7 +33110,7 @@
                                           </p:stCondLst>
                                         </p:cTn>
                                         <p:tgtEl>
-                                          <p:spTgt spid="14"/>
+                                          <p:spTgt spid="9"/>
                                         </p:tgtEl>
                                         <p:attrNameLst>
                                           <p:attrName>style.visibility</p:attrName>
@@ -32049,7 +33124,7 @@
                                       <p:cBhvr additive="base">
                                         <p:cTn id="37" dur="500" fill="hold"/>
                                         <p:tgtEl>
-                                          <p:spTgt spid="14"/>
+                                          <p:spTgt spid="9"/>
                                         </p:tgtEl>
                                         <p:attrNameLst>
                                           <p:attrName>ppt_x</p:attrName>
@@ -32058,7 +33133,7 @@
                                       <p:tavLst>
                                         <p:tav tm="0">
                                           <p:val>
-                                            <p:strVal val="0-#ppt_w/2"/>
+                                            <p:strVal val="1+#ppt_w/2"/>
                                           </p:val>
                                         </p:tav>
                                         <p:tav tm="100000">
@@ -32071,79 +33146,6 @@
                                     <p:anim calcmode="lin" valueType="num">
                                       <p:cBhvr additive="base">
                                         <p:cTn id="38" dur="500" fill="hold"/>
-                                        <p:tgtEl>
-                                          <p:spTgt spid="14"/>
-                                        </p:tgtEl>
-                                        <p:attrNameLst>
-                                          <p:attrName>ppt_y</p:attrName>
-                                        </p:attrNameLst>
-                                      </p:cBhvr>
-                                      <p:tavLst>
-                                        <p:tav tm="0">
-                                          <p:val>
-                                            <p:strVal val="0-#ppt_h/2"/>
-                                          </p:val>
-                                        </p:tav>
-                                        <p:tav tm="100000">
-                                          <p:val>
-                                            <p:strVal val="#ppt_y"/>
-                                          </p:val>
-                                        </p:tav>
-                                      </p:tavLst>
-                                    </p:anim>
-                                  </p:childTnLst>
-                                </p:cTn>
-                              </p:par>
-                              <p:par>
-                                <p:cTn id="39" presetID="2" presetClass="entr" presetSubtype="6" fill="hold" grpId="0" nodeType="withEffect">
-                                  <p:stCondLst>
-                                    <p:cond delay="0"/>
-                                  </p:stCondLst>
-                                  <p:childTnLst>
-                                    <p:set>
-                                      <p:cBhvr>
-                                        <p:cTn id="40" dur="1" fill="hold">
-                                          <p:stCondLst>
-                                            <p:cond delay="0"/>
-                                          </p:stCondLst>
-                                        </p:cTn>
-                                        <p:tgtEl>
-                                          <p:spTgt spid="9"/>
-                                        </p:tgtEl>
-                                        <p:attrNameLst>
-                                          <p:attrName>style.visibility</p:attrName>
-                                        </p:attrNameLst>
-                                      </p:cBhvr>
-                                      <p:to>
-                                        <p:strVal val="visible"/>
-                                      </p:to>
-                                    </p:set>
-                                    <p:anim calcmode="lin" valueType="num">
-                                      <p:cBhvr additive="base">
-                                        <p:cTn id="41" dur="500" fill="hold"/>
-                                        <p:tgtEl>
-                                          <p:spTgt spid="9"/>
-                                        </p:tgtEl>
-                                        <p:attrNameLst>
-                                          <p:attrName>ppt_x</p:attrName>
-                                        </p:attrNameLst>
-                                      </p:cBhvr>
-                                      <p:tavLst>
-                                        <p:tav tm="0">
-                                          <p:val>
-                                            <p:strVal val="1+#ppt_w/2"/>
-                                          </p:val>
-                                        </p:tav>
-                                        <p:tav tm="100000">
-                                          <p:val>
-                                            <p:strVal val="#ppt_x"/>
-                                          </p:val>
-                                        </p:tav>
-                                      </p:tavLst>
-                                    </p:anim>
-                                    <p:anim calcmode="lin" valueType="num">
-                                      <p:cBhvr additive="base">
-                                        <p:cTn id="42" dur="500" fill="hold"/>
                                         <p:tgtEl>
                                           <p:spTgt spid="9"/>
                                         </p:tgtEl>
@@ -32605,30 +33607,6 @@
           </a:p>
         </p:txBody>
       </p:sp>
-      <p:pic>
-        <p:nvPicPr>
-          <p:cNvPr id="3" name="Picture 2"/>
-          <p:cNvPicPr>
-            <a:picLocks noChangeAspect="1"/>
-          </p:cNvPicPr>
-          <p:nvPr/>
-        </p:nvPicPr>
-        <p:blipFill>
-          <a:blip r:embed="rId3"/>
-          <a:stretch>
-            <a:fillRect/>
-          </a:stretch>
-        </p:blipFill>
-        <p:spPr>
-          <a:xfrm>
-            <a:off x="-5636757" y="-1515328"/>
-            <a:ext cx="1866900" cy="558800"/>
-          </a:xfrm>
-          <a:prstGeom prst="rect">
-            <a:avLst/>
-          </a:prstGeom>
-        </p:spPr>
-      </p:pic>
       <p:sp>
         <p:nvSpPr>
           <p:cNvPr id="7" name="Rectangle 6"/>
@@ -34046,30 +35024,6 @@
           </a:p>
         </p:txBody>
       </p:sp>
-      <p:pic>
-        <p:nvPicPr>
-          <p:cNvPr id="3" name="Picture 2"/>
-          <p:cNvPicPr>
-            <a:picLocks noChangeAspect="1"/>
-          </p:cNvPicPr>
-          <p:nvPr/>
-        </p:nvPicPr>
-        <p:blipFill>
-          <a:blip r:embed="rId3"/>
-          <a:stretch>
-            <a:fillRect/>
-          </a:stretch>
-        </p:blipFill>
-        <p:spPr>
-          <a:xfrm>
-            <a:off x="-5636757" y="-1515328"/>
-            <a:ext cx="1866900" cy="558800"/>
-          </a:xfrm>
-          <a:prstGeom prst="rect">
-            <a:avLst/>
-          </a:prstGeom>
-        </p:spPr>
-      </p:pic>
       <p:sp>
         <p:nvSpPr>
           <p:cNvPr id="7" name="Rectangle 6"/>
